--- a/DOCUMENTATION/Meaningful-Conversations-Access-Matrix-Pricing.pptx
+++ b/DOCUMENTATION/Meaningful-Conversations-Access-Matrix-Pricing.pptx
@@ -10,6 +10,7 @@
     <p:sldId id="258" r:id="rId9"/>
     <p:sldId id="259" r:id="rId10"/>
     <p:sldId id="260" r:id="rId11"/>
+    <p:sldId id="261" r:id="rId12"/>
   </p:sldIdLst>
   <p:sldSz cx="12191695" cy="6858000" type="screen4x3"/>
   <p:notesSz cx="6858000" cy="9144000"/>
@@ -6923,7 +6924,7 @@
                         </a:defRPr>
                       </a:pPr>
                       <a:r>
-                        <a:t>Exklusive Client-Features</a:t>
+                        <a:t>Premium+ Features</a:t>
                       </a:r>
                     </a:p>
                   </a:txBody>
@@ -7099,13 +7100,13 @@
                       <a:pPr algn="ctr">
                         <a:defRPr sz="1000" b="0">
                           <a:solidFill>
-                            <a:srgbClr val="BBBBBB"/>
-                          </a:solidFill>
-                          <a:latin typeface="Calibri"/>
-                        </a:defRPr>
-                      </a:pPr>
-                      <a:r>
-                        <a:t>—</a:t>
+                            <a:srgbClr val="16A34A"/>
+                          </a:solidFill>
+                          <a:latin typeface="Calibri"/>
+                        </a:defRPr>
+                      </a:pPr>
+                      <a:r>
+                        <a:t>✅</a:t>
                       </a:r>
                     </a:p>
                   </a:txBody>
@@ -7221,13 +7222,13 @@
                       <a:pPr algn="ctr">
                         <a:defRPr sz="1000" b="0">
                           <a:solidFill>
-                            <a:srgbClr val="BBBBBB"/>
-                          </a:solidFill>
-                          <a:latin typeface="Calibri"/>
-                        </a:defRPr>
-                      </a:pPr>
-                      <a:r>
-                        <a:t>—</a:t>
+                            <a:srgbClr val="16A34A"/>
+                          </a:solidFill>
+                          <a:latin typeface="Calibri"/>
+                        </a:defRPr>
+                      </a:pPr>
+                      <a:r>
+                        <a:t>✅</a:t>
                       </a:r>
                     </a:p>
                   </a:txBody>
@@ -8586,7 +8587,7 @@
               </a:defRPr>
             </a:pPr>
             <a:r>
-              <a:t>✓ DPFL (Adaptive Learning)</a:t>
+              <a:t>✓ DPFL &amp; Comfort Check</a:t>
             </a:r>
           </a:p>
         </p:txBody>
@@ -8622,7 +8623,7 @@
               </a:defRPr>
             </a:pPr>
             <a:r>
-              <a:t>✓ Comfort Check</a:t>
+              <a:t>✓ Transcript Evaluation (PDF &amp; Bots)</a:t>
             </a:r>
           </a:p>
         </p:txBody>
@@ -8658,7 +8659,7 @@
               </a:defRPr>
             </a:pPr>
             <a:r>
-              <a:t>Kein Rob/Victor, Transcript Eval, PEP</a:t>
+              <a:t>Kein Rob/Victor, kein PEP</a:t>
             </a:r>
           </a:p>
         </p:txBody>
@@ -8964,7 +8965,7 @@
               </a:defRPr>
             </a:pPr>
             <a:r>
-              <a:t>✓ Transcript Evaluation &amp; PDF</a:t>
+              <a:t>✓ PEP Lösungsblockaden</a:t>
             </a:r>
           </a:p>
         </p:txBody>
@@ -8972,78 +8973,6 @@
       <p:sp>
         <p:nvSpPr>
           <p:cNvPr id="43" name="TextBox 42"/>
-          <p:cNvSpPr txBox="1"/>
-          <p:nvPr/>
-        </p:nvSpPr>
-        <p:spPr>
-          <a:xfrm>
-            <a:off x="9227667" y="3282696"/>
-            <a:ext cx="2240280" cy="274320"/>
-          </a:xfrm>
-          <a:prstGeom prst="rect">
-            <a:avLst/>
-          </a:prstGeom>
-          <a:noFill/>
-        </p:spPr>
-        <p:txBody>
-          <a:bodyPr wrap="square">
-            <a:spAutoFit/>
-          </a:bodyPr>
-          <a:lstStyle/>
-          <a:p>
-            <a:pPr algn="l">
-              <a:defRPr sz="1000" b="0">
-                <a:solidFill>
-                  <a:srgbClr val="1F2937"/>
-                </a:solidFill>
-                <a:latin typeface="Calibri"/>
-              </a:defRPr>
-            </a:pPr>
-            <a:r>
-              <a:t>✓ Bot-Empfehlungen</a:t>
-            </a:r>
-          </a:p>
-        </p:txBody>
-      </p:sp>
-      <p:sp>
-        <p:nvSpPr>
-          <p:cNvPr id="44" name="TextBox 43"/>
-          <p:cNvSpPr txBox="1"/>
-          <p:nvPr/>
-        </p:nvSpPr>
-        <p:spPr>
-          <a:xfrm>
-            <a:off x="9227667" y="3584448"/>
-            <a:ext cx="2240280" cy="274320"/>
-          </a:xfrm>
-          <a:prstGeom prst="rect">
-            <a:avLst/>
-          </a:prstGeom>
-          <a:noFill/>
-        </p:spPr>
-        <p:txBody>
-          <a:bodyPr wrap="square">
-            <a:spAutoFit/>
-          </a:bodyPr>
-          <a:lstStyle/>
-          <a:p>
-            <a:pPr algn="l">
-              <a:defRPr sz="1000" b="0">
-                <a:solidFill>
-                  <a:srgbClr val="1F2937"/>
-                </a:solidFill>
-                <a:latin typeface="Calibri"/>
-              </a:defRPr>
-            </a:pPr>
-            <a:r>
-              <a:t>✓ PEP Lösungsblockaden</a:t>
-            </a:r>
-          </a:p>
-        </p:txBody>
-      </p:sp>
-      <p:sp>
-        <p:nvSpPr>
-          <p:cNvPr id="45" name="TextBox 44"/>
           <p:cNvSpPr txBox="1"/>
           <p:nvPr/>
         </p:nvSpPr>
@@ -9079,7 +9008,7 @@
       </p:sp>
       <p:sp>
         <p:nvSpPr>
-          <p:cNvPr id="46" name="Right Arrow 45"/>
+          <p:cNvPr id="44" name="Right Arrow 43"/>
           <p:cNvSpPr/>
           <p:nvPr/>
         </p:nvSpPr>
@@ -9122,7 +9051,7 @@
       </p:sp>
       <p:sp>
         <p:nvSpPr>
-          <p:cNvPr id="47" name="Right Arrow 46"/>
+          <p:cNvPr id="45" name="Right Arrow 44"/>
           <p:cNvSpPr/>
           <p:nvPr/>
         </p:nvSpPr>
@@ -9165,7 +9094,7 @@
       </p:sp>
       <p:sp>
         <p:nvSpPr>
-          <p:cNvPr id="48" name="Right Arrow 47"/>
+          <p:cNvPr id="46" name="Right Arrow 45"/>
           <p:cNvSpPr/>
           <p:nvPr/>
         </p:nvSpPr>
@@ -9208,7 +9137,7 @@
       </p:sp>
       <p:sp>
         <p:nvSpPr>
-          <p:cNvPr id="49" name="TextBox 48"/>
+          <p:cNvPr id="47" name="TextBox 46"/>
           <p:cNvSpPr txBox="1"/>
           <p:nvPr/>
         </p:nvSpPr>
@@ -10441,6 +10370,1382 @@
             </a:pPr>
             <a:r>
               <a:t>🔒 = Erfordert höheren Zugang  |  Einzelne Premium-Bots können für 4,90 € permanent freigeschaltet werden</a:t>
+            </a:r>
+          </a:p>
+        </p:txBody>
+      </p:sp>
+    </p:spTree>
+  </p:cSld>
+  <p:clrMapOvr>
+    <a:masterClrMapping/>
+  </p:clrMapOvr>
+</p:sld>
+</file>
+
+<file path=ppt/slides/slide6.xml><?xml version="1.0" encoding="utf-8"?>
+<p:sld xmlns:a="http://schemas.openxmlformats.org/drawingml/2006/main" xmlns:p="http://schemas.openxmlformats.org/presentationml/2006/main" xmlns:r="http://schemas.openxmlformats.org/officeDocument/2006/relationships">
+  <p:cSld>
+    <p:bg>
+      <p:bgPr>
+        <a:solidFill>
+          <a:srgbClr val="FFFFFF"/>
+        </a:solidFill>
+        <a:effectLst/>
+      </p:bgPr>
+    </p:bg>
+    <p:spTree>
+      <p:nvGrpSpPr>
+        <p:cNvPr id="1" name=""/>
+        <p:cNvGrpSpPr/>
+        <p:nvPr/>
+      </p:nvGrpSpPr>
+      <p:grpSpPr/>
+      <p:sp>
+        <p:nvSpPr>
+          <p:cNvPr id="2" name="Rectangle 1"/>
+          <p:cNvSpPr/>
+          <p:nvPr/>
+        </p:nvSpPr>
+        <p:spPr>
+          <a:xfrm>
+            <a:off x="0" y="0"/>
+            <a:ext cx="12191695" cy="822960"/>
+          </a:xfrm>
+          <a:prstGeom prst="rect">
+            <a:avLst/>
+          </a:prstGeom>
+          <a:solidFill>
+            <a:srgbClr val="1B7272"/>
+          </a:solidFill>
+          <a:ln>
+            <a:noFill/>
+          </a:ln>
+        </p:spPr>
+        <p:style>
+          <a:lnRef idx="1">
+            <a:schemeClr val="accent1"/>
+          </a:lnRef>
+          <a:fillRef idx="3">
+            <a:schemeClr val="accent1"/>
+          </a:fillRef>
+          <a:effectRef idx="2">
+            <a:schemeClr val="accent1"/>
+          </a:effectRef>
+          <a:fontRef idx="minor">
+            <a:schemeClr val="lt1"/>
+          </a:fontRef>
+        </p:style>
+        <p:txBody>
+          <a:bodyPr rtlCol="0" anchor="ctr"/>
+          <a:lstStyle/>
+          <a:p>
+            <a:pPr algn="ctr"/>
+          </a:p>
+        </p:txBody>
+      </p:sp>
+      <p:sp>
+        <p:nvSpPr>
+          <p:cNvPr id="3" name="TextBox 2"/>
+          <p:cNvSpPr txBox="1"/>
+          <p:nvPr/>
+        </p:nvSpPr>
+        <p:spPr>
+          <a:xfrm>
+            <a:off x="457200" y="109728"/>
+            <a:ext cx="9144000" cy="320040"/>
+          </a:xfrm>
+          <a:prstGeom prst="rect">
+            <a:avLst/>
+          </a:prstGeom>
+          <a:noFill/>
+        </p:spPr>
+        <p:txBody>
+          <a:bodyPr wrap="square">
+            <a:spAutoFit/>
+          </a:bodyPr>
+          <a:lstStyle/>
+          <a:p>
+            <a:pPr algn="l">
+              <a:defRPr sz="2600" b="1">
+                <a:solidFill>
+                  <a:srgbClr val="FFFFFF"/>
+                </a:solidFill>
+                <a:latin typeface="Calibri"/>
+              </a:defRPr>
+            </a:pPr>
+            <a:r>
+              <a:t>Upgrade-Pfade &amp; Rabatte</a:t>
+            </a:r>
+          </a:p>
+        </p:txBody>
+      </p:sp>
+      <p:sp>
+        <p:nvSpPr>
+          <p:cNvPr id="4" name="TextBox 3"/>
+          <p:cNvSpPr txBox="1"/>
+          <p:nvPr/>
+        </p:nvSpPr>
+        <p:spPr>
+          <a:xfrm>
+            <a:off x="457200" y="457200"/>
+            <a:ext cx="9144000" cy="274320"/>
+          </a:xfrm>
+          <a:prstGeom prst="rect">
+            <a:avLst/>
+          </a:prstGeom>
+          <a:noFill/>
+        </p:spPr>
+        <p:txBody>
+          <a:bodyPr wrap="square">
+            <a:spAutoFit/>
+          </a:bodyPr>
+          <a:lstStyle/>
+          <a:p>
+            <a:pPr algn="l">
+              <a:defRPr sz="1200" b="0">
+                <a:solidFill>
+                  <a:srgbClr val="B0D8D8"/>
+                </a:solidFill>
+                <a:latin typeface="Calibri"/>
+              </a:defRPr>
+            </a:pPr>
+            <a:r>
+              <a:t>Frühere Investitionen werden immer anerkannt — kein Buyer's Remorse</a:t>
+            </a:r>
+          </a:p>
+        </p:txBody>
+      </p:sp>
+      <p:graphicFrame>
+        <p:nvGraphicFramePr>
+          <p:cNvPr id="5" name="Table 4"/>
+          <p:cNvGraphicFramePr>
+            <a:graphicFrameLocks noGrp="1"/>
+          </p:cNvGraphicFramePr>
+          <p:nvPr/>
+        </p:nvGraphicFramePr>
+        <p:xfrm>
+          <a:off x="365760" y="1051560"/>
+          <a:ext cx="11430000" cy="5029200"/>
+        </p:xfrm>
+        <a:graphic>
+          <a:graphicData uri="http://schemas.openxmlformats.org/drawingml/2006/table">
+            <a:tbl>
+              <a:tblPr firstRow="1" bandRow="1">
+                <a:tableStyleId>{5C22544A-7EE6-4342-B048-85BDC9FD1C3A}</a:tableStyleId>
+              </a:tblPr>
+              <a:tblGrid>
+                <a:gridCol w="2743200"/>
+                <a:gridCol w="1828800"/>
+                <a:gridCol w="1828800"/>
+                <a:gridCol w="1828800"/>
+                <a:gridCol w="3200400"/>
+              </a:tblGrid>
+              <a:tr h="558800">
+                <a:tc>
+                  <a:txBody>
+                    <a:bodyPr/>
+                    <a:lstStyle/>
+                    <a:p>
+                      <a:pPr algn="ctr">
+                        <a:defRPr sz="1000" b="1">
+                          <a:solidFill>
+                            <a:srgbClr val="FFFFFF"/>
+                          </a:solidFill>
+                          <a:latin typeface="Calibri"/>
+                        </a:defRPr>
+                      </a:pPr>
+                      <a:r>
+                        <a:t>Ausgangslage</a:t>
+                      </a:r>
+                    </a:p>
+                  </a:txBody>
+                  <a:tcPr anchor="ctr" marL="45720" marR="45720" marT="27432" marB="27432">
+                    <a:solidFill>
+                      <a:srgbClr val="1B7272"/>
+                    </a:solidFill>
+                  </a:tcPr>
+                </a:tc>
+                <a:tc>
+                  <a:txBody>
+                    <a:bodyPr/>
+                    <a:lstStyle/>
+                    <a:p>
+                      <a:pPr algn="ctr">
+                        <a:defRPr sz="1000" b="1">
+                          <a:solidFill>
+                            <a:srgbClr val="FFFFFF"/>
+                          </a:solidFill>
+                          <a:latin typeface="Calibri"/>
+                        </a:defRPr>
+                      </a:pPr>
+                      <a:r>
+                        <a:t>1-Monats-Pass</a:t>
+                      </a:r>
+                    </a:p>
+                  </a:txBody>
+                  <a:tcPr anchor="ctr" marL="45720" marR="45720" marT="27432" marB="27432">
+                    <a:solidFill>
+                      <a:srgbClr val="1B7272"/>
+                    </a:solidFill>
+                  </a:tcPr>
+                </a:tc>
+                <a:tc>
+                  <a:txBody>
+                    <a:bodyPr/>
+                    <a:lstStyle/>
+                    <a:p>
+                      <a:pPr algn="ctr">
+                        <a:defRPr sz="1000" b="1">
+                          <a:solidFill>
+                            <a:srgbClr val="FFFFFF"/>
+                          </a:solidFill>
+                          <a:latin typeface="Calibri"/>
+                        </a:defRPr>
+                      </a:pPr>
+                      <a:r>
+                        <a:t>3-Monats-Pass</a:t>
+                      </a:r>
+                    </a:p>
+                  </a:txBody>
+                  <a:tcPr anchor="ctr" marL="45720" marR="45720" marT="27432" marB="27432">
+                    <a:solidFill>
+                      <a:srgbClr val="1B7272"/>
+                    </a:solidFill>
+                  </a:tcPr>
+                </a:tc>
+                <a:tc>
+                  <a:txBody>
+                    <a:bodyPr/>
+                    <a:lstStyle/>
+                    <a:p>
+                      <a:pPr algn="ctr">
+                        <a:defRPr sz="1000" b="1">
+                          <a:solidFill>
+                            <a:srgbClr val="FFFFFF"/>
+                          </a:solidFill>
+                          <a:latin typeface="Calibri"/>
+                        </a:defRPr>
+                      </a:pPr>
+                      <a:r>
+                        <a:t>1-Jahres-Pass</a:t>
+                      </a:r>
+                    </a:p>
+                  </a:txBody>
+                  <a:tcPr anchor="ctr" marL="45720" marR="45720" marT="27432" marB="27432">
+                    <a:solidFill>
+                      <a:srgbClr val="1B7272"/>
+                    </a:solidFill>
+                  </a:tcPr>
+                </a:tc>
+                <a:tc>
+                  <a:txBody>
+                    <a:bodyPr/>
+                    <a:lstStyle/>
+                    <a:p>
+                      <a:pPr algn="ctr">
+                        <a:defRPr sz="1000" b="1">
+                          <a:solidFill>
+                            <a:srgbClr val="FFFFFF"/>
+                          </a:solidFill>
+                          <a:latin typeface="Calibri"/>
+                        </a:defRPr>
+                      </a:pPr>
+                      <a:r>
+                        <a:t>Rabatt-Modell</a:t>
+                      </a:r>
+                    </a:p>
+                  </a:txBody>
+                  <a:tcPr anchor="ctr" marL="45720" marR="45720" marT="27432" marB="27432">
+                    <a:solidFill>
+                      <a:srgbClr val="1B7272"/>
+                    </a:solidFill>
+                  </a:tcPr>
+                </a:tc>
+              </a:tr>
+              <a:tr h="558800">
+                <a:tc>
+                  <a:txBody>
+                    <a:bodyPr/>
+                    <a:lstStyle/>
+                    <a:p>
+                      <a:pPr algn="l">
+                        <a:defRPr sz="1000" b="1">
+                          <a:solidFill>
+                            <a:srgbClr val="6B7280"/>
+                          </a:solidFill>
+                          <a:latin typeface="Calibri"/>
+                        </a:defRPr>
+                      </a:pPr>
+                      <a:r>
+                        <a:t>Normalpreis</a:t>
+                      </a:r>
+                    </a:p>
+                  </a:txBody>
+                  <a:tcPr anchor="ctr" marL="45720" marR="45720" marT="27432" marB="27432">
+                    <a:solidFill>
+                      <a:srgbClr val="F9FAFB"/>
+                    </a:solidFill>
+                  </a:tcPr>
+                </a:tc>
+                <a:tc>
+                  <a:txBody>
+                    <a:bodyPr/>
+                    <a:lstStyle/>
+                    <a:p>
+                      <a:pPr algn="ctr">
+                        <a:defRPr sz="1000" b="0">
+                          <a:solidFill>
+                            <a:srgbClr val="6B7280"/>
+                          </a:solidFill>
+                          <a:latin typeface="Calibri"/>
+                        </a:defRPr>
+                      </a:pPr>
+                      <a:r>
+                        <a:t>9,90 €</a:t>
+                      </a:r>
+                    </a:p>
+                  </a:txBody>
+                  <a:tcPr anchor="ctr" marL="45720" marR="45720" marT="27432" marB="27432">
+                    <a:solidFill>
+                      <a:srgbClr val="F9FAFB"/>
+                    </a:solidFill>
+                  </a:tcPr>
+                </a:tc>
+                <a:tc>
+                  <a:txBody>
+                    <a:bodyPr/>
+                    <a:lstStyle/>
+                    <a:p>
+                      <a:pPr algn="ctr">
+                        <a:defRPr sz="1000" b="0">
+                          <a:solidFill>
+                            <a:srgbClr val="6B7280"/>
+                          </a:solidFill>
+                          <a:latin typeface="Calibri"/>
+                        </a:defRPr>
+                      </a:pPr>
+                      <a:r>
+                        <a:t>24,90 €</a:t>
+                      </a:r>
+                    </a:p>
+                  </a:txBody>
+                  <a:tcPr anchor="ctr" marL="45720" marR="45720" marT="27432" marB="27432">
+                    <a:solidFill>
+                      <a:srgbClr val="F9FAFB"/>
+                    </a:solidFill>
+                  </a:tcPr>
+                </a:tc>
+                <a:tc>
+                  <a:txBody>
+                    <a:bodyPr/>
+                    <a:lstStyle/>
+                    <a:p>
+                      <a:pPr algn="ctr">
+                        <a:defRPr sz="1000" b="0">
+                          <a:solidFill>
+                            <a:srgbClr val="6B7280"/>
+                          </a:solidFill>
+                          <a:latin typeface="Calibri"/>
+                        </a:defRPr>
+                      </a:pPr>
+                      <a:r>
+                        <a:t>79,90 €</a:t>
+                      </a:r>
+                    </a:p>
+                  </a:txBody>
+                  <a:tcPr anchor="ctr" marL="45720" marR="45720" marT="27432" marB="27432">
+                    <a:solidFill>
+                      <a:srgbClr val="F9FAFB"/>
+                    </a:solidFill>
+                  </a:tcPr>
+                </a:tc>
+                <a:tc>
+                  <a:txBody>
+                    <a:bodyPr/>
+                    <a:lstStyle/>
+                    <a:p>
+                      <a:pPr algn="l">
+                        <a:defRPr sz="1000" b="0">
+                          <a:solidFill>
+                            <a:srgbClr val="6B7280"/>
+                          </a:solidFill>
+                          <a:latin typeface="Calibri"/>
+                        </a:defRPr>
+                      </a:pPr>
+                      <a:r>
+                        <a:t>—</a:t>
+                      </a:r>
+                    </a:p>
+                  </a:txBody>
+                  <a:tcPr anchor="ctr" marL="45720" marR="45720" marT="27432" marB="27432">
+                    <a:solidFill>
+                      <a:srgbClr val="F9FAFB"/>
+                    </a:solidFill>
+                  </a:tcPr>
+                </a:tc>
+              </a:tr>
+              <a:tr h="558800">
+                <a:tc>
+                  <a:txBody>
+                    <a:bodyPr/>
+                    <a:lstStyle/>
+                    <a:p>
+                      <a:pPr algn="l">
+                        <a:defRPr sz="1000" b="1">
+                          <a:solidFill>
+                            <a:srgbClr val="1F2937"/>
+                          </a:solidFill>
+                          <a:latin typeface="Calibri"/>
+                        </a:defRPr>
+                      </a:pPr>
+                      <a:r>
+                        <a:t>Registered Monatsabo</a:t>
+                      </a:r>
+                    </a:p>
+                  </a:txBody>
+                  <a:tcPr anchor="ctr" marL="45720" marR="45720" marT="27432" marB="27432">
+                    <a:solidFill>
+                      <a:srgbClr val="FFFFFF"/>
+                    </a:solidFill>
+                  </a:tcPr>
+                </a:tc>
+                <a:tc>
+                  <a:txBody>
+                    <a:bodyPr/>
+                    <a:lstStyle/>
+                    <a:p>
+                      <a:pPr algn="ctr">
+                        <a:defRPr sz="1000" b="0">
+                          <a:solidFill>
+                            <a:srgbClr val="1F2937"/>
+                          </a:solidFill>
+                          <a:latin typeface="Calibri"/>
+                        </a:defRPr>
+                      </a:pPr>
+                      <a:r>
+                        <a:t>9,90 €</a:t>
+                      </a:r>
+                    </a:p>
+                  </a:txBody>
+                  <a:tcPr anchor="ctr" marL="45720" marR="45720" marT="27432" marB="27432">
+                    <a:solidFill>
+                      <a:srgbClr val="FFFFFF"/>
+                    </a:solidFill>
+                  </a:tcPr>
+                </a:tc>
+                <a:tc>
+                  <a:txBody>
+                    <a:bodyPr/>
+                    <a:lstStyle/>
+                    <a:p>
+                      <a:pPr algn="ctr">
+                        <a:defRPr sz="1000" b="0">
+                          <a:solidFill>
+                            <a:srgbClr val="1F2937"/>
+                          </a:solidFill>
+                          <a:latin typeface="Calibri"/>
+                        </a:defRPr>
+                      </a:pPr>
+                      <a:r>
+                        <a:t>24,90 €</a:t>
+                      </a:r>
+                    </a:p>
+                  </a:txBody>
+                  <a:tcPr anchor="ctr" marL="45720" marR="45720" marT="27432" marB="27432">
+                    <a:solidFill>
+                      <a:srgbClr val="FFFFFF"/>
+                    </a:solidFill>
+                  </a:tcPr>
+                </a:tc>
+                <a:tc>
+                  <a:txBody>
+                    <a:bodyPr/>
+                    <a:lstStyle/>
+                    <a:p>
+                      <a:pPr algn="ctr">
+                        <a:defRPr sz="1000" b="0">
+                          <a:solidFill>
+                            <a:srgbClr val="1F2937"/>
+                          </a:solidFill>
+                          <a:latin typeface="Calibri"/>
+                        </a:defRPr>
+                      </a:pPr>
+                      <a:r>
+                        <a:t>79,90 €</a:t>
+                      </a:r>
+                    </a:p>
+                  </a:txBody>
+                  <a:tcPr anchor="ctr" marL="45720" marR="45720" marT="27432" marB="27432">
+                    <a:solidFill>
+                      <a:srgbClr val="FFFFFF"/>
+                    </a:solidFill>
+                  </a:tcPr>
+                </a:tc>
+                <a:tc>
+                  <a:txBody>
+                    <a:bodyPr/>
+                    <a:lstStyle/>
+                    <a:p>
+                      <a:pPr algn="l">
+                        <a:defRPr sz="900" b="0">
+                          <a:solidFill>
+                            <a:srgbClr val="6B7280"/>
+                          </a:solidFill>
+                          <a:latin typeface="Calibri"/>
+                        </a:defRPr>
+                      </a:pPr>
+                      <a:r>
+                        <a:t>Pro-rata Restmonat als Guthaben</a:t>
+                      </a:r>
+                    </a:p>
+                  </a:txBody>
+                  <a:tcPr anchor="ctr" marL="45720" marR="45720" marT="27432" marB="27432">
+                    <a:solidFill>
+                      <a:srgbClr val="FFFFFF"/>
+                    </a:solidFill>
+                  </a:tcPr>
+                </a:tc>
+              </a:tr>
+              <a:tr h="558800">
+                <a:tc>
+                  <a:txBody>
+                    <a:bodyPr/>
+                    <a:lstStyle/>
+                    <a:p>
+                      <a:pPr algn="l">
+                        <a:defRPr sz="1000" b="1">
+                          <a:solidFill>
+                            <a:srgbClr val="1F2937"/>
+                          </a:solidFill>
+                          <a:latin typeface="Calibri"/>
+                        </a:defRPr>
+                      </a:pPr>
+                      <a:r>
+                        <a:t>Registered Lifetime</a:t>
+                      </a:r>
+                    </a:p>
+                  </a:txBody>
+                  <a:tcPr anchor="ctr" marL="45720" marR="45720" marT="27432" marB="27432">
+                    <a:solidFill>
+                      <a:srgbClr val="F3F4F6"/>
+                    </a:solidFill>
+                  </a:tcPr>
+                </a:tc>
+                <a:tc>
+                  <a:txBody>
+                    <a:bodyPr/>
+                    <a:lstStyle/>
+                    <a:p>
+                      <a:pPr algn="ctr">
+                        <a:defRPr sz="1000" b="1">
+                          <a:solidFill>
+                            <a:srgbClr val="166534"/>
+                          </a:solidFill>
+                          <a:latin typeface="Calibri"/>
+                        </a:defRPr>
+                      </a:pPr>
+                      <a:r>
+                        <a:t>7,90 €</a:t>
+                      </a:r>
+                    </a:p>
+                  </a:txBody>
+                  <a:tcPr anchor="ctr" marL="45720" marR="45720" marT="27432" marB="27432">
+                    <a:solidFill>
+                      <a:srgbClr val="F3F4F6"/>
+                    </a:solidFill>
+                  </a:tcPr>
+                </a:tc>
+                <a:tc>
+                  <a:txBody>
+                    <a:bodyPr/>
+                    <a:lstStyle/>
+                    <a:p>
+                      <a:pPr algn="ctr">
+                        <a:defRPr sz="1000" b="1">
+                          <a:solidFill>
+                            <a:srgbClr val="166534"/>
+                          </a:solidFill>
+                          <a:latin typeface="Calibri"/>
+                        </a:defRPr>
+                      </a:pPr>
+                      <a:r>
+                        <a:t>18,90 €</a:t>
+                      </a:r>
+                    </a:p>
+                  </a:txBody>
+                  <a:tcPr anchor="ctr" marL="45720" marR="45720" marT="27432" marB="27432">
+                    <a:solidFill>
+                      <a:srgbClr val="F3F4F6"/>
+                    </a:solidFill>
+                  </a:tcPr>
+                </a:tc>
+                <a:tc>
+                  <a:txBody>
+                    <a:bodyPr/>
+                    <a:lstStyle/>
+                    <a:p>
+                      <a:pPr algn="ctr">
+                        <a:defRPr sz="1000" b="1">
+                          <a:solidFill>
+                            <a:srgbClr val="166534"/>
+                          </a:solidFill>
+                          <a:latin typeface="Calibri"/>
+                        </a:defRPr>
+                      </a:pPr>
+                      <a:r>
+                        <a:t>59,90 €</a:t>
+                      </a:r>
+                    </a:p>
+                  </a:txBody>
+                  <a:tcPr anchor="ctr" marL="45720" marR="45720" marT="27432" marB="27432">
+                    <a:solidFill>
+                      <a:srgbClr val="F3F4F6"/>
+                    </a:solidFill>
+                  </a:tcPr>
+                </a:tc>
+                <a:tc>
+                  <a:txBody>
+                    <a:bodyPr/>
+                    <a:lstStyle/>
+                    <a:p>
+                      <a:pPr algn="l">
+                        <a:defRPr sz="900" b="0">
+                          <a:solidFill>
+                            <a:srgbClr val="6B7280"/>
+                          </a:solidFill>
+                          <a:latin typeface="Calibri"/>
+                        </a:defRPr>
+                      </a:pPr>
+                      <a:r>
+                        <a:t>~20–25% Loyalty-Rabatt</a:t>
+                      </a:r>
+                    </a:p>
+                  </a:txBody>
+                  <a:tcPr anchor="ctr" marL="45720" marR="45720" marT="27432" marB="27432">
+                    <a:solidFill>
+                      <a:srgbClr val="F3F4F6"/>
+                    </a:solidFill>
+                  </a:tcPr>
+                </a:tc>
+              </a:tr>
+              <a:tr h="558800">
+                <a:tc>
+                  <a:txBody>
+                    <a:bodyPr/>
+                    <a:lstStyle/>
+                    <a:p>
+                      <a:pPr algn="l">
+                        <a:defRPr sz="1000" b="1">
+                          <a:solidFill>
+                            <a:srgbClr val="1F2937"/>
+                          </a:solidFill>
+                          <a:latin typeface="Calibri"/>
+                        </a:defRPr>
+                      </a:pPr>
+                      <a:r>
+                        <a:t>1 Bot-Unlock (4,90 €)</a:t>
+                      </a:r>
+                    </a:p>
+                  </a:txBody>
+                  <a:tcPr anchor="ctr" marL="45720" marR="45720" marT="27432" marB="27432">
+                    <a:solidFill>
+                      <a:srgbClr val="FFFFFF"/>
+                    </a:solidFill>
+                  </a:tcPr>
+                </a:tc>
+                <a:tc>
+                  <a:txBody>
+                    <a:bodyPr/>
+                    <a:lstStyle/>
+                    <a:p>
+                      <a:pPr algn="ctr">
+                        <a:defRPr sz="1000" b="1">
+                          <a:solidFill>
+                            <a:srgbClr val="166534"/>
+                          </a:solidFill>
+                          <a:latin typeface="Calibri"/>
+                        </a:defRPr>
+                      </a:pPr>
+                      <a:r>
+                        <a:t>5,00 €</a:t>
+                      </a:r>
+                    </a:p>
+                  </a:txBody>
+                  <a:tcPr anchor="ctr" marL="45720" marR="45720" marT="27432" marB="27432">
+                    <a:solidFill>
+                      <a:srgbClr val="FFFFFF"/>
+                    </a:solidFill>
+                  </a:tcPr>
+                </a:tc>
+                <a:tc>
+                  <a:txBody>
+                    <a:bodyPr/>
+                    <a:lstStyle/>
+                    <a:p>
+                      <a:pPr algn="ctr">
+                        <a:defRPr sz="1000" b="1">
+                          <a:solidFill>
+                            <a:srgbClr val="166534"/>
+                          </a:solidFill>
+                          <a:latin typeface="Calibri"/>
+                        </a:defRPr>
+                      </a:pPr>
+                      <a:r>
+                        <a:t>20,00 €</a:t>
+                      </a:r>
+                    </a:p>
+                  </a:txBody>
+                  <a:tcPr anchor="ctr" marL="45720" marR="45720" marT="27432" marB="27432">
+                    <a:solidFill>
+                      <a:srgbClr val="FFFFFF"/>
+                    </a:solidFill>
+                  </a:tcPr>
+                </a:tc>
+                <a:tc>
+                  <a:txBody>
+                    <a:bodyPr/>
+                    <a:lstStyle/>
+                    <a:p>
+                      <a:pPr algn="ctr">
+                        <a:defRPr sz="1000" b="1">
+                          <a:solidFill>
+                            <a:srgbClr val="166534"/>
+                          </a:solidFill>
+                          <a:latin typeface="Calibri"/>
+                        </a:defRPr>
+                      </a:pPr>
+                      <a:r>
+                        <a:t>75,00 €</a:t>
+                      </a:r>
+                    </a:p>
+                  </a:txBody>
+                  <a:tcPr anchor="ctr" marL="45720" marR="45720" marT="27432" marB="27432">
+                    <a:solidFill>
+                      <a:srgbClr val="FFFFFF"/>
+                    </a:solidFill>
+                  </a:tcPr>
+                </a:tc>
+                <a:tc>
+                  <a:txBody>
+                    <a:bodyPr/>
+                    <a:lstStyle/>
+                    <a:p>
+                      <a:pPr algn="l">
+                        <a:defRPr sz="900" b="0">
+                          <a:solidFill>
+                            <a:srgbClr val="6B7280"/>
+                          </a:solidFill>
+                          <a:latin typeface="Calibri"/>
+                        </a:defRPr>
+                      </a:pPr>
+                      <a:r>
+                        <a:t>4,90 € Anrechnung</a:t>
+                      </a:r>
+                    </a:p>
+                  </a:txBody>
+                  <a:tcPr anchor="ctr" marL="45720" marR="45720" marT="27432" marB="27432">
+                    <a:solidFill>
+                      <a:srgbClr val="FFFFFF"/>
+                    </a:solidFill>
+                  </a:tcPr>
+                </a:tc>
+              </a:tr>
+              <a:tr h="558800">
+                <a:tc>
+                  <a:txBody>
+                    <a:bodyPr/>
+                    <a:lstStyle/>
+                    <a:p>
+                      <a:pPr algn="l">
+                        <a:defRPr sz="1000" b="1">
+                          <a:solidFill>
+                            <a:srgbClr val="1F2937"/>
+                          </a:solidFill>
+                          <a:latin typeface="Calibri"/>
+                        </a:defRPr>
+                      </a:pPr>
+                      <a:r>
+                        <a:t>2 Bot-Unlocks (9,80 €)</a:t>
+                      </a:r>
+                    </a:p>
+                  </a:txBody>
+                  <a:tcPr anchor="ctr" marL="45720" marR="45720" marT="27432" marB="27432">
+                    <a:solidFill>
+                      <a:srgbClr val="F3F4F6"/>
+                    </a:solidFill>
+                  </a:tcPr>
+                </a:tc>
+                <a:tc>
+                  <a:txBody>
+                    <a:bodyPr/>
+                    <a:lstStyle/>
+                    <a:p>
+                      <a:pPr algn="ctr">
+                        <a:defRPr sz="1000" b="1">
+                          <a:solidFill>
+                            <a:srgbClr val="166534"/>
+                          </a:solidFill>
+                          <a:latin typeface="Calibri"/>
+                        </a:defRPr>
+                      </a:pPr>
+                      <a:r>
+                        <a:t>0,10 €</a:t>
+                      </a:r>
+                    </a:p>
+                  </a:txBody>
+                  <a:tcPr anchor="ctr" marL="45720" marR="45720" marT="27432" marB="27432">
+                    <a:solidFill>
+                      <a:srgbClr val="F3F4F6"/>
+                    </a:solidFill>
+                  </a:tcPr>
+                </a:tc>
+                <a:tc>
+                  <a:txBody>
+                    <a:bodyPr/>
+                    <a:lstStyle/>
+                    <a:p>
+                      <a:pPr algn="ctr">
+                        <a:defRPr sz="1000" b="1">
+                          <a:solidFill>
+                            <a:srgbClr val="166534"/>
+                          </a:solidFill>
+                          <a:latin typeface="Calibri"/>
+                        </a:defRPr>
+                      </a:pPr>
+                      <a:r>
+                        <a:t>15,10 €</a:t>
+                      </a:r>
+                    </a:p>
+                  </a:txBody>
+                  <a:tcPr anchor="ctr" marL="45720" marR="45720" marT="27432" marB="27432">
+                    <a:solidFill>
+                      <a:srgbClr val="F3F4F6"/>
+                    </a:solidFill>
+                  </a:tcPr>
+                </a:tc>
+                <a:tc>
+                  <a:txBody>
+                    <a:bodyPr/>
+                    <a:lstStyle/>
+                    <a:p>
+                      <a:pPr algn="ctr">
+                        <a:defRPr sz="1000" b="1">
+                          <a:solidFill>
+                            <a:srgbClr val="166534"/>
+                          </a:solidFill>
+                          <a:latin typeface="Calibri"/>
+                        </a:defRPr>
+                      </a:pPr>
+                      <a:r>
+                        <a:t>70,10 €</a:t>
+                      </a:r>
+                    </a:p>
+                  </a:txBody>
+                  <a:tcPr anchor="ctr" marL="45720" marR="45720" marT="27432" marB="27432">
+                    <a:solidFill>
+                      <a:srgbClr val="F3F4F6"/>
+                    </a:solidFill>
+                  </a:tcPr>
+                </a:tc>
+                <a:tc>
+                  <a:txBody>
+                    <a:bodyPr/>
+                    <a:lstStyle/>
+                    <a:p>
+                      <a:pPr algn="l">
+                        <a:defRPr sz="900" b="0">
+                          <a:solidFill>
+                            <a:srgbClr val="6B7280"/>
+                          </a:solidFill>
+                          <a:latin typeface="Calibri"/>
+                        </a:defRPr>
+                      </a:pPr>
+                      <a:r>
+                        <a:t>9,80 € Anrechnung</a:t>
+                      </a:r>
+                    </a:p>
+                  </a:txBody>
+                  <a:tcPr anchor="ctr" marL="45720" marR="45720" marT="27432" marB="27432">
+                    <a:solidFill>
+                      <a:srgbClr val="F3F4F6"/>
+                    </a:solidFill>
+                  </a:tcPr>
+                </a:tc>
+              </a:tr>
+              <a:tr h="558800">
+                <a:tc>
+                  <a:txBody>
+                    <a:bodyPr/>
+                    <a:lstStyle/>
+                    <a:p>
+                      <a:pPr algn="l">
+                        <a:defRPr sz="1000" b="1">
+                          <a:solidFill>
+                            <a:srgbClr val="1F2937"/>
+                          </a:solidFill>
+                          <a:latin typeface="Calibri"/>
+                        </a:defRPr>
+                      </a:pPr>
+                      <a:r>
+                        <a:t>Lifetime + 1 Bot</a:t>
+                      </a:r>
+                    </a:p>
+                  </a:txBody>
+                  <a:tcPr anchor="ctr" marL="45720" marR="45720" marT="27432" marB="27432">
+                    <a:solidFill>
+                      <a:srgbClr val="FFFFFF"/>
+                    </a:solidFill>
+                  </a:tcPr>
+                </a:tc>
+                <a:tc>
+                  <a:txBody>
+                    <a:bodyPr/>
+                    <a:lstStyle/>
+                    <a:p>
+                      <a:pPr algn="ctr">
+                        <a:defRPr sz="1000" b="1">
+                          <a:solidFill>
+                            <a:srgbClr val="166534"/>
+                          </a:solidFill>
+                          <a:latin typeface="Calibri"/>
+                        </a:defRPr>
+                      </a:pPr>
+                      <a:r>
+                        <a:t>3,00 €</a:t>
+                      </a:r>
+                    </a:p>
+                  </a:txBody>
+                  <a:tcPr anchor="ctr" marL="45720" marR="45720" marT="27432" marB="27432">
+                    <a:solidFill>
+                      <a:srgbClr val="FFFFFF"/>
+                    </a:solidFill>
+                  </a:tcPr>
+                </a:tc>
+                <a:tc>
+                  <a:txBody>
+                    <a:bodyPr/>
+                    <a:lstStyle/>
+                    <a:p>
+                      <a:pPr algn="ctr">
+                        <a:defRPr sz="1000" b="1">
+                          <a:solidFill>
+                            <a:srgbClr val="166534"/>
+                          </a:solidFill>
+                          <a:latin typeface="Calibri"/>
+                        </a:defRPr>
+                      </a:pPr>
+                      <a:r>
+                        <a:t>14,00 €</a:t>
+                      </a:r>
+                    </a:p>
+                  </a:txBody>
+                  <a:tcPr anchor="ctr" marL="45720" marR="45720" marT="27432" marB="27432">
+                    <a:solidFill>
+                      <a:srgbClr val="FFFFFF"/>
+                    </a:solidFill>
+                  </a:tcPr>
+                </a:tc>
+                <a:tc>
+                  <a:txBody>
+                    <a:bodyPr/>
+                    <a:lstStyle/>
+                    <a:p>
+                      <a:pPr algn="ctr">
+                        <a:defRPr sz="1000" b="1">
+                          <a:solidFill>
+                            <a:srgbClr val="166534"/>
+                          </a:solidFill>
+                          <a:latin typeface="Calibri"/>
+                        </a:defRPr>
+                      </a:pPr>
+                      <a:r>
+                        <a:t>55,00 €</a:t>
+                      </a:r>
+                    </a:p>
+                  </a:txBody>
+                  <a:tcPr anchor="ctr" marL="45720" marR="45720" marT="27432" marB="27432">
+                    <a:solidFill>
+                      <a:srgbClr val="FFFFFF"/>
+                    </a:solidFill>
+                  </a:tcPr>
+                </a:tc>
+                <a:tc>
+                  <a:txBody>
+                    <a:bodyPr/>
+                    <a:lstStyle/>
+                    <a:p>
+                      <a:pPr algn="l">
+                        <a:defRPr sz="900" b="0">
+                          <a:solidFill>
+                            <a:srgbClr val="6B7280"/>
+                          </a:solidFill>
+                          <a:latin typeface="Calibri"/>
+                        </a:defRPr>
+                      </a:pPr>
+                      <a:r>
+                        <a:t>Loyalty + Bot kumuliert</a:t>
+                      </a:r>
+                    </a:p>
+                  </a:txBody>
+                  <a:tcPr anchor="ctr" marL="45720" marR="45720" marT="27432" marB="27432">
+                    <a:solidFill>
+                      <a:srgbClr val="FFFFFF"/>
+                    </a:solidFill>
+                  </a:tcPr>
+                </a:tc>
+              </a:tr>
+              <a:tr h="558800">
+                <a:tc>
+                  <a:txBody>
+                    <a:bodyPr/>
+                    <a:lstStyle/>
+                    <a:p>
+                      <a:pPr algn="l">
+                        <a:defRPr sz="1000" b="1">
+                          <a:solidFill>
+                            <a:srgbClr val="1F2937"/>
+                          </a:solidFill>
+                          <a:latin typeface="Calibri"/>
+                        </a:defRPr>
+                      </a:pPr>
+                      <a:r>
+                        <a:t>Lifetime + 2 Bots</a:t>
+                      </a:r>
+                    </a:p>
+                  </a:txBody>
+                  <a:tcPr anchor="ctr" marL="45720" marR="45720" marT="27432" marB="27432">
+                    <a:solidFill>
+                      <a:srgbClr val="F3F4F6"/>
+                    </a:solidFill>
+                  </a:tcPr>
+                </a:tc>
+                <a:tc>
+                  <a:txBody>
+                    <a:bodyPr/>
+                    <a:lstStyle/>
+                    <a:p>
+                      <a:pPr algn="ctr">
+                        <a:defRPr sz="1000" b="1">
+                          <a:solidFill>
+                            <a:srgbClr val="166534"/>
+                          </a:solidFill>
+                          <a:latin typeface="Calibri"/>
+                        </a:defRPr>
+                      </a:pPr>
+                      <a:r>
+                        <a:t>0,10 €</a:t>
+                      </a:r>
+                    </a:p>
+                  </a:txBody>
+                  <a:tcPr anchor="ctr" marL="45720" marR="45720" marT="27432" marB="27432">
+                    <a:solidFill>
+                      <a:srgbClr val="F3F4F6"/>
+                    </a:solidFill>
+                  </a:tcPr>
+                </a:tc>
+                <a:tc>
+                  <a:txBody>
+                    <a:bodyPr/>
+                    <a:lstStyle/>
+                    <a:p>
+                      <a:pPr algn="ctr">
+                        <a:defRPr sz="1000" b="1">
+                          <a:solidFill>
+                            <a:srgbClr val="166534"/>
+                          </a:solidFill>
+                          <a:latin typeface="Calibri"/>
+                        </a:defRPr>
+                      </a:pPr>
+                      <a:r>
+                        <a:t>9,10 €</a:t>
+                      </a:r>
+                    </a:p>
+                  </a:txBody>
+                  <a:tcPr anchor="ctr" marL="45720" marR="45720" marT="27432" marB="27432">
+                    <a:solidFill>
+                      <a:srgbClr val="F3F4F6"/>
+                    </a:solidFill>
+                  </a:tcPr>
+                </a:tc>
+                <a:tc>
+                  <a:txBody>
+                    <a:bodyPr/>
+                    <a:lstStyle/>
+                    <a:p>
+                      <a:pPr algn="ctr">
+                        <a:defRPr sz="1000" b="1">
+                          <a:solidFill>
+                            <a:srgbClr val="166534"/>
+                          </a:solidFill>
+                          <a:latin typeface="Calibri"/>
+                        </a:defRPr>
+                      </a:pPr>
+                      <a:r>
+                        <a:t>50,10 €</a:t>
+                      </a:r>
+                    </a:p>
+                  </a:txBody>
+                  <a:tcPr anchor="ctr" marL="45720" marR="45720" marT="27432" marB="27432">
+                    <a:solidFill>
+                      <a:srgbClr val="F3F4F6"/>
+                    </a:solidFill>
+                  </a:tcPr>
+                </a:tc>
+                <a:tc>
+                  <a:txBody>
+                    <a:bodyPr/>
+                    <a:lstStyle/>
+                    <a:p>
+                      <a:pPr algn="l">
+                        <a:defRPr sz="900" b="0">
+                          <a:solidFill>
+                            <a:srgbClr val="6B7280"/>
+                          </a:solidFill>
+                          <a:latin typeface="Calibri"/>
+                        </a:defRPr>
+                      </a:pPr>
+                      <a:r>
+                        <a:t>Loyalty + Bots kumuliert</a:t>
+                      </a:r>
+                    </a:p>
+                  </a:txBody>
+                  <a:tcPr anchor="ctr" marL="45720" marR="45720" marT="27432" marB="27432">
+                    <a:solidFill>
+                      <a:srgbClr val="F3F4F6"/>
+                    </a:solidFill>
+                  </a:tcPr>
+                </a:tc>
+              </a:tr>
+              <a:tr h="558800">
+                <a:tc>
+                  <a:txBody>
+                    <a:bodyPr/>
+                    <a:lstStyle/>
+                    <a:p>
+                      <a:pPr algn="l">
+                        <a:defRPr sz="1000" b="1">
+                          <a:solidFill>
+                            <a:srgbClr val="1F2937"/>
+                          </a:solidFill>
+                          <a:latin typeface="Calibri"/>
+                        </a:defRPr>
+                      </a:pPr>
+                      <a:r>
+                        <a:t>Guest → Premium</a:t>
+                      </a:r>
+                    </a:p>
+                  </a:txBody>
+                  <a:tcPr anchor="ctr" marL="45720" marR="45720" marT="27432" marB="27432">
+                    <a:solidFill>
+                      <a:srgbClr val="FFFFFF"/>
+                    </a:solidFill>
+                  </a:tcPr>
+                </a:tc>
+                <a:tc>
+                  <a:txBody>
+                    <a:bodyPr/>
+                    <a:lstStyle/>
+                    <a:p>
+                      <a:pPr algn="ctr">
+                        <a:defRPr sz="1000" b="0">
+                          <a:solidFill>
+                            <a:srgbClr val="1F2937"/>
+                          </a:solidFill>
+                          <a:latin typeface="Calibri"/>
+                        </a:defRPr>
+                      </a:pPr>
+                      <a:r>
+                        <a:t>9,90 €</a:t>
+                      </a:r>
+                    </a:p>
+                  </a:txBody>
+                  <a:tcPr anchor="ctr" marL="45720" marR="45720" marT="27432" marB="27432">
+                    <a:solidFill>
+                      <a:srgbClr val="FFFFFF"/>
+                    </a:solidFill>
+                  </a:tcPr>
+                </a:tc>
+                <a:tc>
+                  <a:txBody>
+                    <a:bodyPr/>
+                    <a:lstStyle/>
+                    <a:p>
+                      <a:pPr algn="ctr">
+                        <a:defRPr sz="1000" b="0">
+                          <a:solidFill>
+                            <a:srgbClr val="1F2937"/>
+                          </a:solidFill>
+                          <a:latin typeface="Calibri"/>
+                        </a:defRPr>
+                      </a:pPr>
+                      <a:r>
+                        <a:t>24,90 €</a:t>
+                      </a:r>
+                    </a:p>
+                  </a:txBody>
+                  <a:tcPr anchor="ctr" marL="45720" marR="45720" marT="27432" marB="27432">
+                    <a:solidFill>
+                      <a:srgbClr val="FFFFFF"/>
+                    </a:solidFill>
+                  </a:tcPr>
+                </a:tc>
+                <a:tc>
+                  <a:txBody>
+                    <a:bodyPr/>
+                    <a:lstStyle/>
+                    <a:p>
+                      <a:pPr algn="ctr">
+                        <a:defRPr sz="1000" b="0">
+                          <a:solidFill>
+                            <a:srgbClr val="1F2937"/>
+                          </a:solidFill>
+                          <a:latin typeface="Calibri"/>
+                        </a:defRPr>
+                      </a:pPr>
+                      <a:r>
+                        <a:t>79,90 €</a:t>
+                      </a:r>
+                    </a:p>
+                  </a:txBody>
+                  <a:tcPr anchor="ctr" marL="45720" marR="45720" marT="27432" marB="27432">
+                    <a:solidFill>
+                      <a:srgbClr val="FFFFFF"/>
+                    </a:solidFill>
+                  </a:tcPr>
+                </a:tc>
+                <a:tc>
+                  <a:txBody>
+                    <a:bodyPr/>
+                    <a:lstStyle/>
+                    <a:p>
+                      <a:pPr algn="l">
+                        <a:defRPr sz="900" b="0">
+                          <a:solidFill>
+                            <a:srgbClr val="6B7280"/>
+                          </a:solidFill>
+                          <a:latin typeface="Calibri"/>
+                        </a:defRPr>
+                      </a:pPr>
+                      <a:r>
+                        <a:t>Kein Rabatt (enthält Registered)</a:t>
+                      </a:r>
+                    </a:p>
+                  </a:txBody>
+                  <a:tcPr anchor="ctr" marL="45720" marR="45720" marT="27432" marB="27432">
+                    <a:solidFill>
+                      <a:srgbClr val="FFFFFF"/>
+                    </a:solidFill>
+                  </a:tcPr>
+                </a:tc>
+              </a:tr>
+            </a:tbl>
+          </a:graphicData>
+        </a:graphic>
+      </p:graphicFrame>
+      <p:sp>
+        <p:nvSpPr>
+          <p:cNvPr id="6" name="TextBox 5"/>
+          <p:cNvSpPr txBox="1"/>
+          <p:nvPr/>
+        </p:nvSpPr>
+        <p:spPr>
+          <a:xfrm>
+            <a:off x="457200" y="5989320"/>
+            <a:ext cx="11247120" cy="228600"/>
+          </a:xfrm>
+          <a:prstGeom prst="rect">
+            <a:avLst/>
+          </a:prstGeom>
+          <a:noFill/>
+        </p:spPr>
+        <p:txBody>
+          <a:bodyPr wrap="square">
+            <a:spAutoFit/>
+          </a:bodyPr>
+          <a:lstStyle/>
+          <a:p>
+            <a:pPr algn="l">
+              <a:defRPr sz="900" b="0">
+                <a:solidFill>
+                  <a:srgbClr val="6B7280"/>
+                </a:solidFill>
+                <a:latin typeface="Calibri"/>
+              </a:defRPr>
+            </a:pPr>
+            <a:r>
+              <a:t>✓ Fallback-Sicherheit: Registered Lifetime bleibt aktiv wenn Premium abläuft</a:t>
+            </a:r>
+          </a:p>
+        </p:txBody>
+      </p:sp>
+      <p:sp>
+        <p:nvSpPr>
+          <p:cNvPr id="7" name="TextBox 6"/>
+          <p:cNvSpPr txBox="1"/>
+          <p:nvPr/>
+        </p:nvSpPr>
+        <p:spPr>
+          <a:xfrm>
+            <a:off x="457200" y="6245352"/>
+            <a:ext cx="11247120" cy="228600"/>
+          </a:xfrm>
+          <a:prstGeom prst="rect">
+            <a:avLst/>
+          </a:prstGeom>
+          <a:noFill/>
+        </p:spPr>
+        <p:txBody>
+          <a:bodyPr wrap="square">
+            <a:spAutoFit/>
+          </a:bodyPr>
+          <a:lstStyle/>
+          <a:p>
+            <a:pPr algn="l">
+              <a:defRPr sz="900" b="0">
+                <a:solidFill>
+                  <a:srgbClr val="6B7280"/>
+                </a:solidFill>
+                <a:latin typeface="Calibri"/>
+              </a:defRPr>
+            </a:pPr>
+            <a:r>
+              <a:t>✓ Kumulierbar: Loyalty-Rabatt und Bot-Guthaben stapeln sich</a:t>
+            </a:r>
+          </a:p>
+        </p:txBody>
+      </p:sp>
+      <p:sp>
+        <p:nvSpPr>
+          <p:cNvPr id="8" name="TextBox 7"/>
+          <p:cNvSpPr txBox="1"/>
+          <p:nvPr/>
+        </p:nvSpPr>
+        <p:spPr>
+          <a:xfrm>
+            <a:off x="457200" y="6501383"/>
+            <a:ext cx="11247120" cy="228600"/>
+          </a:xfrm>
+          <a:prstGeom prst="rect">
+            <a:avLst/>
+          </a:prstGeom>
+          <a:noFill/>
+        </p:spPr>
+        <p:txBody>
+          <a:bodyPr wrap="square">
+            <a:spAutoFit/>
+          </a:bodyPr>
+          <a:lstStyle/>
+          <a:p>
+            <a:pPr algn="l">
+              <a:defRPr sz="900" b="0">
+                <a:solidFill>
+                  <a:srgbClr val="6B7280"/>
+                </a:solidFill>
+                <a:latin typeface="Calibri"/>
+              </a:defRPr>
+            </a:pPr>
+            <a:r>
+              <a:t>✓ Technisch umsetzbar: PayPal Custom IDs erlauben Tracking früherer Käufe</a:t>
             </a:r>
           </a:p>
         </p:txBody>

--- a/DOCUMENTATION/Meaningful-Conversations-Access-Matrix-Pricing.pptx
+++ b/DOCUMENTATION/Meaningful-Conversations-Access-Matrix-Pricing.pptx
@@ -5450,7 +5450,7 @@
         </p:nvGraphicFramePr>
         <p:xfrm>
           <a:off x="365760" y="1051560"/>
-          <a:ext cx="11430000" cy="5650992"/>
+          <a:ext cx="11430000" cy="5669280"/>
         </p:xfrm>
         <a:graphic>
           <a:graphicData uri="http://schemas.openxmlformats.org/drawingml/2006/table">
@@ -5465,7 +5465,7 @@
                 <a:gridCol w="1760220"/>
                 <a:gridCol w="1760220"/>
               </a:tblGrid>
-              <a:tr h="353187">
+              <a:tr h="333487">
                 <a:tc>
                   <a:txBody>
                     <a:bodyPr/>
@@ -5603,7 +5603,7 @@
                   </a:tcPr>
                 </a:tc>
               </a:tr>
-              <a:tr h="353187">
+              <a:tr h="333487">
                 <a:tc>
                   <a:txBody>
                     <a:bodyPr/>
@@ -5713,7 +5713,7 @@
                   </a:tcPr>
                 </a:tc>
               </a:tr>
-              <a:tr h="353187">
+              <a:tr h="333487">
                 <a:tc>
                   <a:txBody>
                     <a:bodyPr/>
@@ -5835,7 +5835,7 @@
                   </a:tcPr>
                 </a:tc>
               </a:tr>
-              <a:tr h="353187">
+              <a:tr h="333487">
                 <a:tc>
                   <a:txBody>
                     <a:bodyPr/>
@@ -5850,13 +5850,135 @@
                         </a:defRPr>
                       </a:pPr>
                       <a:r>
+                        <a:t>Gloria Interview (Strukturierte Interviews)</a:t>
+                      </a:r>
+                    </a:p>
+                  </a:txBody>
+                  <a:tcPr anchor="ctr" marL="45720" marR="45720" marT="27432" marB="27432">
+                    <a:solidFill>
+                      <a:srgbClr val="FFFFFF"/>
+                    </a:solidFill>
+                  </a:tcPr>
+                </a:tc>
+                <a:tc>
+                  <a:txBody>
+                    <a:bodyPr/>
+                    <a:lstStyle/>
+                    <a:p>
+                      <a:pPr algn="ctr">
+                        <a:defRPr sz="1000" b="0">
+                          <a:solidFill>
+                            <a:srgbClr val="BBBBBB"/>
+                          </a:solidFill>
+                          <a:latin typeface="Calibri"/>
+                        </a:defRPr>
+                      </a:pPr>
+                      <a:r>
+                        <a:t>—</a:t>
+                      </a:r>
+                    </a:p>
+                  </a:txBody>
+                  <a:tcPr anchor="ctr" marL="45720" marR="45720" marT="27432" marB="27432">
+                    <a:solidFill>
+                      <a:srgbClr val="FFFFFF"/>
+                    </a:solidFill>
+                  </a:tcPr>
+                </a:tc>
+                <a:tc>
+                  <a:txBody>
+                    <a:bodyPr/>
+                    <a:lstStyle/>
+                    <a:p>
+                      <a:pPr algn="ctr">
+                        <a:defRPr sz="1000" b="0">
+                          <a:solidFill>
+                            <a:srgbClr val="16A34A"/>
+                          </a:solidFill>
+                          <a:latin typeface="Calibri"/>
+                        </a:defRPr>
+                      </a:pPr>
+                      <a:r>
+                        <a:t>✅</a:t>
+                      </a:r>
+                    </a:p>
+                  </a:txBody>
+                  <a:tcPr anchor="ctr" marL="45720" marR="45720" marT="27432" marB="27432">
+                    <a:solidFill>
+                      <a:srgbClr val="FFFFFF"/>
+                    </a:solidFill>
+                  </a:tcPr>
+                </a:tc>
+                <a:tc>
+                  <a:txBody>
+                    <a:bodyPr/>
+                    <a:lstStyle/>
+                    <a:p>
+                      <a:pPr algn="ctr">
+                        <a:defRPr sz="1000" b="0">
+                          <a:solidFill>
+                            <a:srgbClr val="16A34A"/>
+                          </a:solidFill>
+                          <a:latin typeface="Calibri"/>
+                        </a:defRPr>
+                      </a:pPr>
+                      <a:r>
+                        <a:t>✅</a:t>
+                      </a:r>
+                    </a:p>
+                  </a:txBody>
+                  <a:tcPr anchor="ctr" marL="45720" marR="45720" marT="27432" marB="27432">
+                    <a:solidFill>
+                      <a:srgbClr val="FFFFFF"/>
+                    </a:solidFill>
+                  </a:tcPr>
+                </a:tc>
+                <a:tc>
+                  <a:txBody>
+                    <a:bodyPr/>
+                    <a:lstStyle/>
+                    <a:p>
+                      <a:pPr algn="ctr">
+                        <a:defRPr sz="1000" b="0">
+                          <a:solidFill>
+                            <a:srgbClr val="16A34A"/>
+                          </a:solidFill>
+                          <a:latin typeface="Calibri"/>
+                        </a:defRPr>
+                      </a:pPr>
+                      <a:r>
+                        <a:t>✅</a:t>
+                      </a:r>
+                    </a:p>
+                  </a:txBody>
+                  <a:tcPr anchor="ctr" marL="45720" marR="45720" marT="27432" marB="27432">
+                    <a:solidFill>
+                      <a:srgbClr val="FFFFFF"/>
+                    </a:solidFill>
+                  </a:tcPr>
+                </a:tc>
+              </a:tr>
+              <a:tr h="333487">
+                <a:tc>
+                  <a:txBody>
+                    <a:bodyPr/>
+                    <a:lstStyle/>
+                    <a:p>
+                      <a:pPr algn="l">
+                        <a:defRPr sz="1000" b="0">
+                          <a:solidFill>
+                            <a:srgbClr val="1F2937"/>
+                          </a:solidFill>
+                          <a:latin typeface="Calibri"/>
+                        </a:defRPr>
+                      </a:pPr>
+                      <a:r>
                         <a:t>Gloria (Onboarding)</a:t>
                       </a:r>
                     </a:p>
                   </a:txBody>
                   <a:tcPr anchor="ctr" marL="45720" marR="45720" marT="27432" marB="27432">
                     <a:solidFill>
-                      <a:srgbClr val="FFFFFF"/>
+                      <a:srgbClr val="F3F4F6"/>
                     </a:solidFill>
                   </a:tcPr>
                 </a:tc>
@@ -5880,7 +6002,7 @@
                   </a:txBody>
                   <a:tcPr anchor="ctr" marL="45720" marR="45720" marT="27432" marB="27432">
                     <a:solidFill>
-                      <a:srgbClr val="FFFFFF"/>
+                      <a:srgbClr val="F3F4F6"/>
                     </a:solidFill>
                   </a:tcPr>
                 </a:tc>
@@ -5904,7 +6026,7 @@
                   </a:txBody>
                   <a:tcPr anchor="ctr" marL="45720" marR="45720" marT="27432" marB="27432">
                     <a:solidFill>
-                      <a:srgbClr val="FFFFFF"/>
+                      <a:srgbClr val="F3F4F6"/>
                     </a:solidFill>
                   </a:tcPr>
                 </a:tc>
@@ -5928,7 +6050,7 @@
                   </a:txBody>
                   <a:tcPr anchor="ctr" marL="45720" marR="45720" marT="27432" marB="27432">
                     <a:solidFill>
-                      <a:srgbClr val="FFFFFF"/>
+                      <a:srgbClr val="F3F4F6"/>
                     </a:solidFill>
                   </a:tcPr>
                 </a:tc>
@@ -5952,12 +6074,12 @@
                   </a:txBody>
                   <a:tcPr anchor="ctr" marL="45720" marR="45720" marT="27432" marB="27432">
                     <a:solidFill>
-                      <a:srgbClr val="FFFFFF"/>
+                      <a:srgbClr val="F3F4F6"/>
                     </a:solidFill>
                   </a:tcPr>
                 </a:tc>
               </a:tr>
-              <a:tr h="353187">
+              <a:tr h="333487">
                 <a:tc>
                   <a:txBody>
                     <a:bodyPr/>
@@ -6067,7 +6189,7 @@
                   </a:tcPr>
                 </a:tc>
               </a:tr>
-              <a:tr h="353187">
+              <a:tr h="333487">
                 <a:tc>
                   <a:txBody>
                     <a:bodyPr/>
@@ -6088,6 +6210,128 @@
                   </a:txBody>
                   <a:tcPr anchor="ctr" marL="45720" marR="45720" marT="27432" marB="27432">
                     <a:solidFill>
+                      <a:srgbClr val="F3F4F6"/>
+                    </a:solidFill>
+                  </a:tcPr>
+                </a:tc>
+                <a:tc>
+                  <a:txBody>
+                    <a:bodyPr/>
+                    <a:lstStyle/>
+                    <a:p>
+                      <a:pPr algn="ctr">
+                        <a:defRPr sz="1000" b="0">
+                          <a:solidFill>
+                            <a:srgbClr val="16A34A"/>
+                          </a:solidFill>
+                          <a:latin typeface="Calibri"/>
+                        </a:defRPr>
+                      </a:pPr>
+                      <a:r>
+                        <a:t>✅</a:t>
+                      </a:r>
+                    </a:p>
+                  </a:txBody>
+                  <a:tcPr anchor="ctr" marL="45720" marR="45720" marT="27432" marB="27432">
+                    <a:solidFill>
+                      <a:srgbClr val="F3F4F6"/>
+                    </a:solidFill>
+                  </a:tcPr>
+                </a:tc>
+                <a:tc>
+                  <a:txBody>
+                    <a:bodyPr/>
+                    <a:lstStyle/>
+                    <a:p>
+                      <a:pPr algn="ctr">
+                        <a:defRPr sz="1000" b="0">
+                          <a:solidFill>
+                            <a:srgbClr val="16A34A"/>
+                          </a:solidFill>
+                          <a:latin typeface="Calibri"/>
+                        </a:defRPr>
+                      </a:pPr>
+                      <a:r>
+                        <a:t>✅</a:t>
+                      </a:r>
+                    </a:p>
+                  </a:txBody>
+                  <a:tcPr anchor="ctr" marL="45720" marR="45720" marT="27432" marB="27432">
+                    <a:solidFill>
+                      <a:srgbClr val="F3F4F6"/>
+                    </a:solidFill>
+                  </a:tcPr>
+                </a:tc>
+                <a:tc>
+                  <a:txBody>
+                    <a:bodyPr/>
+                    <a:lstStyle/>
+                    <a:p>
+                      <a:pPr algn="ctr">
+                        <a:defRPr sz="1000" b="0">
+                          <a:solidFill>
+                            <a:srgbClr val="16A34A"/>
+                          </a:solidFill>
+                          <a:latin typeface="Calibri"/>
+                        </a:defRPr>
+                      </a:pPr>
+                      <a:r>
+                        <a:t>✅</a:t>
+                      </a:r>
+                    </a:p>
+                  </a:txBody>
+                  <a:tcPr anchor="ctr" marL="45720" marR="45720" marT="27432" marB="27432">
+                    <a:solidFill>
+                      <a:srgbClr val="F3F4F6"/>
+                    </a:solidFill>
+                  </a:tcPr>
+                </a:tc>
+                <a:tc>
+                  <a:txBody>
+                    <a:bodyPr/>
+                    <a:lstStyle/>
+                    <a:p>
+                      <a:pPr algn="ctr">
+                        <a:defRPr sz="1000" b="0">
+                          <a:solidFill>
+                            <a:srgbClr val="16A34A"/>
+                          </a:solidFill>
+                          <a:latin typeface="Calibri"/>
+                        </a:defRPr>
+                      </a:pPr>
+                      <a:r>
+                        <a:t>✅</a:t>
+                      </a:r>
+                    </a:p>
+                  </a:txBody>
+                  <a:tcPr anchor="ctr" marL="45720" marR="45720" marT="27432" marB="27432">
+                    <a:solidFill>
+                      <a:srgbClr val="F3F4F6"/>
+                    </a:solidFill>
+                  </a:tcPr>
+                </a:tc>
+              </a:tr>
+              <a:tr h="333487">
+                <a:tc>
+                  <a:txBody>
+                    <a:bodyPr/>
+                    <a:lstStyle/>
+                    <a:p>
+                      <a:pPr algn="l">
+                        <a:defRPr sz="1000" b="0">
+                          <a:solidFill>
+                            <a:srgbClr val="1F2937"/>
+                          </a:solidFill>
+                          <a:latin typeface="Calibri"/>
+                        </a:defRPr>
+                      </a:pPr>
+                      <a:r>
+                        <a:t>Ava (Strategisch)</a:t>
+                      </a:r>
+                    </a:p>
+                  </a:txBody>
+                  <a:tcPr anchor="ctr" marL="45720" marR="45720" marT="27432" marB="27432">
+                    <a:solidFill>
                       <a:srgbClr val="FFFFFF"/>
                     </a:solidFill>
                   </a:tcPr>
@@ -6189,7 +6433,7 @@
                   </a:tcPr>
                 </a:tc>
               </a:tr>
-              <a:tr h="353187">
+              <a:tr h="333487">
                 <a:tc>
                   <a:txBody>
                     <a:bodyPr/>
@@ -6204,7 +6448,7 @@
                         </a:defRPr>
                       </a:pPr>
                       <a:r>
-                        <a:t>Ava (Strategisch)</a:t>
+                        <a:t>Kenji (Stoisch)</a:t>
                       </a:r>
                     </a:p>
                   </a:txBody>
@@ -6222,6 +6466,54 @@
                       <a:pPr algn="ctr">
                         <a:defRPr sz="1000" b="0">
                           <a:solidFill>
+                            <a:srgbClr val="BBBBBB"/>
+                          </a:solidFill>
+                          <a:latin typeface="Calibri"/>
+                        </a:defRPr>
+                      </a:pPr>
+                      <a:r>
+                        <a:t>—</a:t>
+                      </a:r>
+                    </a:p>
+                  </a:txBody>
+                  <a:tcPr anchor="ctr" marL="45720" marR="45720" marT="27432" marB="27432">
+                    <a:solidFill>
+                      <a:srgbClr val="F3F4F6"/>
+                    </a:solidFill>
+                  </a:tcPr>
+                </a:tc>
+                <a:tc>
+                  <a:txBody>
+                    <a:bodyPr/>
+                    <a:lstStyle/>
+                    <a:p>
+                      <a:pPr algn="ctr">
+                        <a:defRPr sz="1000" b="0">
+                          <a:solidFill>
+                            <a:srgbClr val="BBBBBB"/>
+                          </a:solidFill>
+                          <a:latin typeface="Calibri"/>
+                        </a:defRPr>
+                      </a:pPr>
+                      <a:r>
+                        <a:t>—</a:t>
+                      </a:r>
+                    </a:p>
+                  </a:txBody>
+                  <a:tcPr anchor="ctr" marL="45720" marR="45720" marT="27432" marB="27432">
+                    <a:solidFill>
+                      <a:srgbClr val="F3F4F6"/>
+                    </a:solidFill>
+                  </a:tcPr>
+                </a:tc>
+                <a:tc>
+                  <a:txBody>
+                    <a:bodyPr/>
+                    <a:lstStyle/>
+                    <a:p>
+                      <a:pPr algn="ctr">
+                        <a:defRPr sz="1000" b="0">
+                          <a:solidFill>
                             <a:srgbClr val="16A34A"/>
                           </a:solidFill>
                           <a:latin typeface="Calibri"/>
@@ -6262,6 +6554,80 @@
                     </a:solidFill>
                   </a:tcPr>
                 </a:tc>
+              </a:tr>
+              <a:tr h="333487">
+                <a:tc>
+                  <a:txBody>
+                    <a:bodyPr/>
+                    <a:lstStyle/>
+                    <a:p>
+                      <a:pPr algn="l">
+                        <a:defRPr sz="1000" b="0">
+                          <a:solidFill>
+                            <a:srgbClr val="1F2937"/>
+                          </a:solidFill>
+                          <a:latin typeface="Calibri"/>
+                        </a:defRPr>
+                      </a:pPr>
+                      <a:r>
+                        <a:t>Chloe (Strukturierte Reflexion)</a:t>
+                      </a:r>
+                    </a:p>
+                  </a:txBody>
+                  <a:tcPr anchor="ctr" marL="45720" marR="45720" marT="27432" marB="27432">
+                    <a:solidFill>
+                      <a:srgbClr val="FFFFFF"/>
+                    </a:solidFill>
+                  </a:tcPr>
+                </a:tc>
+                <a:tc>
+                  <a:txBody>
+                    <a:bodyPr/>
+                    <a:lstStyle/>
+                    <a:p>
+                      <a:pPr algn="ctr">
+                        <a:defRPr sz="1000" b="0">
+                          <a:solidFill>
+                            <a:srgbClr val="BBBBBB"/>
+                          </a:solidFill>
+                          <a:latin typeface="Calibri"/>
+                        </a:defRPr>
+                      </a:pPr>
+                      <a:r>
+                        <a:t>—</a:t>
+                      </a:r>
+                    </a:p>
+                  </a:txBody>
+                  <a:tcPr anchor="ctr" marL="45720" marR="45720" marT="27432" marB="27432">
+                    <a:solidFill>
+                      <a:srgbClr val="FFFFFF"/>
+                    </a:solidFill>
+                  </a:tcPr>
+                </a:tc>
+                <a:tc>
+                  <a:txBody>
+                    <a:bodyPr/>
+                    <a:lstStyle/>
+                    <a:p>
+                      <a:pPr algn="ctr">
+                        <a:defRPr sz="1000" b="0">
+                          <a:solidFill>
+                            <a:srgbClr val="BBBBBB"/>
+                          </a:solidFill>
+                          <a:latin typeface="Calibri"/>
+                        </a:defRPr>
+                      </a:pPr>
+                      <a:r>
+                        <a:t>—</a:t>
+                      </a:r>
+                    </a:p>
+                  </a:txBody>
+                  <a:tcPr anchor="ctr" marL="45720" marR="45720" marT="27432" marB="27432">
+                    <a:solidFill>
+                      <a:srgbClr val="FFFFFF"/>
+                    </a:solidFill>
+                  </a:tcPr>
+                </a:tc>
                 <a:tc>
                   <a:txBody>
                     <a:bodyPr/>
@@ -6282,7 +6648,7 @@
                   </a:txBody>
                   <a:tcPr anchor="ctr" marL="45720" marR="45720" marT="27432" marB="27432">
                     <a:solidFill>
-                      <a:srgbClr val="F3F4F6"/>
+                      <a:srgbClr val="FFFFFF"/>
                     </a:solidFill>
                   </a:tcPr>
                 </a:tc>
@@ -6306,256 +6672,12 @@
                   </a:txBody>
                   <a:tcPr anchor="ctr" marL="45720" marR="45720" marT="27432" marB="27432">
                     <a:solidFill>
-                      <a:srgbClr val="F3F4F6"/>
+                      <a:srgbClr val="FFFFFF"/>
                     </a:solidFill>
                   </a:tcPr>
                 </a:tc>
               </a:tr>
-              <a:tr h="353187">
-                <a:tc>
-                  <a:txBody>
-                    <a:bodyPr/>
-                    <a:lstStyle/>
-                    <a:p>
-                      <a:pPr algn="l">
-                        <a:defRPr sz="1000" b="0">
-                          <a:solidFill>
-                            <a:srgbClr val="1F2937"/>
-                          </a:solidFill>
-                          <a:latin typeface="Calibri"/>
-                        </a:defRPr>
-                      </a:pPr>
-                      <a:r>
-                        <a:t>Kenji (Stoisch)</a:t>
-                      </a:r>
-                    </a:p>
-                  </a:txBody>
-                  <a:tcPr anchor="ctr" marL="45720" marR="45720" marT="27432" marB="27432">
-                    <a:solidFill>
-                      <a:srgbClr val="FFFFFF"/>
-                    </a:solidFill>
-                  </a:tcPr>
-                </a:tc>
-                <a:tc>
-                  <a:txBody>
-                    <a:bodyPr/>
-                    <a:lstStyle/>
-                    <a:p>
-                      <a:pPr algn="ctr">
-                        <a:defRPr sz="1000" b="0">
-                          <a:solidFill>
-                            <a:srgbClr val="BBBBBB"/>
-                          </a:solidFill>
-                          <a:latin typeface="Calibri"/>
-                        </a:defRPr>
-                      </a:pPr>
-                      <a:r>
-                        <a:t>—</a:t>
-                      </a:r>
-                    </a:p>
-                  </a:txBody>
-                  <a:tcPr anchor="ctr" marL="45720" marR="45720" marT="27432" marB="27432">
-                    <a:solidFill>
-                      <a:srgbClr val="FFFFFF"/>
-                    </a:solidFill>
-                  </a:tcPr>
-                </a:tc>
-                <a:tc>
-                  <a:txBody>
-                    <a:bodyPr/>
-                    <a:lstStyle/>
-                    <a:p>
-                      <a:pPr algn="ctr">
-                        <a:defRPr sz="1000" b="0">
-                          <a:solidFill>
-                            <a:srgbClr val="BBBBBB"/>
-                          </a:solidFill>
-                          <a:latin typeface="Calibri"/>
-                        </a:defRPr>
-                      </a:pPr>
-                      <a:r>
-                        <a:t>—</a:t>
-                      </a:r>
-                    </a:p>
-                  </a:txBody>
-                  <a:tcPr anchor="ctr" marL="45720" marR="45720" marT="27432" marB="27432">
-                    <a:solidFill>
-                      <a:srgbClr val="FFFFFF"/>
-                    </a:solidFill>
-                  </a:tcPr>
-                </a:tc>
-                <a:tc>
-                  <a:txBody>
-                    <a:bodyPr/>
-                    <a:lstStyle/>
-                    <a:p>
-                      <a:pPr algn="ctr">
-                        <a:defRPr sz="1000" b="0">
-                          <a:solidFill>
-                            <a:srgbClr val="16A34A"/>
-                          </a:solidFill>
-                          <a:latin typeface="Calibri"/>
-                        </a:defRPr>
-                      </a:pPr>
-                      <a:r>
-                        <a:t>✅</a:t>
-                      </a:r>
-                    </a:p>
-                  </a:txBody>
-                  <a:tcPr anchor="ctr" marL="45720" marR="45720" marT="27432" marB="27432">
-                    <a:solidFill>
-                      <a:srgbClr val="FFFFFF"/>
-                    </a:solidFill>
-                  </a:tcPr>
-                </a:tc>
-                <a:tc>
-                  <a:txBody>
-                    <a:bodyPr/>
-                    <a:lstStyle/>
-                    <a:p>
-                      <a:pPr algn="ctr">
-                        <a:defRPr sz="1000" b="0">
-                          <a:solidFill>
-                            <a:srgbClr val="16A34A"/>
-                          </a:solidFill>
-                          <a:latin typeface="Calibri"/>
-                        </a:defRPr>
-                      </a:pPr>
-                      <a:r>
-                        <a:t>✅</a:t>
-                      </a:r>
-                    </a:p>
-                  </a:txBody>
-                  <a:tcPr anchor="ctr" marL="45720" marR="45720" marT="27432" marB="27432">
-                    <a:solidFill>
-                      <a:srgbClr val="FFFFFF"/>
-                    </a:solidFill>
-                  </a:tcPr>
-                </a:tc>
-              </a:tr>
-              <a:tr h="353187">
-                <a:tc>
-                  <a:txBody>
-                    <a:bodyPr/>
-                    <a:lstStyle/>
-                    <a:p>
-                      <a:pPr algn="l">
-                        <a:defRPr sz="1000" b="0">
-                          <a:solidFill>
-                            <a:srgbClr val="1F2937"/>
-                          </a:solidFill>
-                          <a:latin typeface="Calibri"/>
-                        </a:defRPr>
-                      </a:pPr>
-                      <a:r>
-                        <a:t>Chloe (Strukturierte Reflexion)</a:t>
-                      </a:r>
-                    </a:p>
-                  </a:txBody>
-                  <a:tcPr anchor="ctr" marL="45720" marR="45720" marT="27432" marB="27432">
-                    <a:solidFill>
-                      <a:srgbClr val="F3F4F6"/>
-                    </a:solidFill>
-                  </a:tcPr>
-                </a:tc>
-                <a:tc>
-                  <a:txBody>
-                    <a:bodyPr/>
-                    <a:lstStyle/>
-                    <a:p>
-                      <a:pPr algn="ctr">
-                        <a:defRPr sz="1000" b="0">
-                          <a:solidFill>
-                            <a:srgbClr val="BBBBBB"/>
-                          </a:solidFill>
-                          <a:latin typeface="Calibri"/>
-                        </a:defRPr>
-                      </a:pPr>
-                      <a:r>
-                        <a:t>—</a:t>
-                      </a:r>
-                    </a:p>
-                  </a:txBody>
-                  <a:tcPr anchor="ctr" marL="45720" marR="45720" marT="27432" marB="27432">
-                    <a:solidFill>
-                      <a:srgbClr val="F3F4F6"/>
-                    </a:solidFill>
-                  </a:tcPr>
-                </a:tc>
-                <a:tc>
-                  <a:txBody>
-                    <a:bodyPr/>
-                    <a:lstStyle/>
-                    <a:p>
-                      <a:pPr algn="ctr">
-                        <a:defRPr sz="1000" b="0">
-                          <a:solidFill>
-                            <a:srgbClr val="BBBBBB"/>
-                          </a:solidFill>
-                          <a:latin typeface="Calibri"/>
-                        </a:defRPr>
-                      </a:pPr>
-                      <a:r>
-                        <a:t>—</a:t>
-                      </a:r>
-                    </a:p>
-                  </a:txBody>
-                  <a:tcPr anchor="ctr" marL="45720" marR="45720" marT="27432" marB="27432">
-                    <a:solidFill>
-                      <a:srgbClr val="F3F4F6"/>
-                    </a:solidFill>
-                  </a:tcPr>
-                </a:tc>
-                <a:tc>
-                  <a:txBody>
-                    <a:bodyPr/>
-                    <a:lstStyle/>
-                    <a:p>
-                      <a:pPr algn="ctr">
-                        <a:defRPr sz="1000" b="0">
-                          <a:solidFill>
-                            <a:srgbClr val="16A34A"/>
-                          </a:solidFill>
-                          <a:latin typeface="Calibri"/>
-                        </a:defRPr>
-                      </a:pPr>
-                      <a:r>
-                        <a:t>✅</a:t>
-                      </a:r>
-                    </a:p>
-                  </a:txBody>
-                  <a:tcPr anchor="ctr" marL="45720" marR="45720" marT="27432" marB="27432">
-                    <a:solidFill>
-                      <a:srgbClr val="F3F4F6"/>
-                    </a:solidFill>
-                  </a:tcPr>
-                </a:tc>
-                <a:tc>
-                  <a:txBody>
-                    <a:bodyPr/>
-                    <a:lstStyle/>
-                    <a:p>
-                      <a:pPr algn="ctr">
-                        <a:defRPr sz="1000" b="0">
-                          <a:solidFill>
-                            <a:srgbClr val="16A34A"/>
-                          </a:solidFill>
-                          <a:latin typeface="Calibri"/>
-                        </a:defRPr>
-                      </a:pPr>
-                      <a:r>
-                        <a:t>✅</a:t>
-                      </a:r>
-                    </a:p>
-                  </a:txBody>
-                  <a:tcPr anchor="ctr" marL="45720" marR="45720" marT="27432" marB="27432">
-                    <a:solidFill>
-                      <a:srgbClr val="F3F4F6"/>
-                    </a:solidFill>
-                  </a:tcPr>
-                </a:tc>
-              </a:tr>
-              <a:tr h="353187">
+              <a:tr h="333487">
                 <a:tc>
                   <a:txBody>
                     <a:bodyPr/>
@@ -6665,7 +6787,7 @@
                   </a:tcPr>
                 </a:tc>
               </a:tr>
-              <a:tr h="353187">
+              <a:tr h="333487">
                 <a:tc>
                   <a:txBody>
                     <a:bodyPr/>
@@ -6686,6 +6808,128 @@
                   </a:txBody>
                   <a:tcPr anchor="ctr" marL="45720" marR="45720" marT="27432" marB="27432">
                     <a:solidFill>
+                      <a:srgbClr val="FFFFFF"/>
+                    </a:solidFill>
+                  </a:tcPr>
+                </a:tc>
+                <a:tc>
+                  <a:txBody>
+                    <a:bodyPr/>
+                    <a:lstStyle/>
+                    <a:p>
+                      <a:pPr algn="ctr">
+                        <a:defRPr sz="1000" b="0">
+                          <a:solidFill>
+                            <a:srgbClr val="BBBBBB"/>
+                          </a:solidFill>
+                          <a:latin typeface="Calibri"/>
+                        </a:defRPr>
+                      </a:pPr>
+                      <a:r>
+                        <a:t>—</a:t>
+                      </a:r>
+                    </a:p>
+                  </a:txBody>
+                  <a:tcPr anchor="ctr" marL="45720" marR="45720" marT="27432" marB="27432">
+                    <a:solidFill>
+                      <a:srgbClr val="FFFFFF"/>
+                    </a:solidFill>
+                  </a:tcPr>
+                </a:tc>
+                <a:tc>
+                  <a:txBody>
+                    <a:bodyPr/>
+                    <a:lstStyle/>
+                    <a:p>
+                      <a:pPr algn="ctr">
+                        <a:defRPr sz="1000" b="0">
+                          <a:solidFill>
+                            <a:srgbClr val="BBBBBB"/>
+                          </a:solidFill>
+                          <a:latin typeface="Calibri"/>
+                        </a:defRPr>
+                      </a:pPr>
+                      <a:r>
+                        <a:t>—</a:t>
+                      </a:r>
+                    </a:p>
+                  </a:txBody>
+                  <a:tcPr anchor="ctr" marL="45720" marR="45720" marT="27432" marB="27432">
+                    <a:solidFill>
+                      <a:srgbClr val="FFFFFF"/>
+                    </a:solidFill>
+                  </a:tcPr>
+                </a:tc>
+                <a:tc>
+                  <a:txBody>
+                    <a:bodyPr/>
+                    <a:lstStyle/>
+                    <a:p>
+                      <a:pPr algn="ctr">
+                        <a:defRPr sz="1000" b="0">
+                          <a:solidFill>
+                            <a:srgbClr val="BBBBBB"/>
+                          </a:solidFill>
+                          <a:latin typeface="Calibri"/>
+                        </a:defRPr>
+                      </a:pPr>
+                      <a:r>
+                        <a:t>—</a:t>
+                      </a:r>
+                    </a:p>
+                  </a:txBody>
+                  <a:tcPr anchor="ctr" marL="45720" marR="45720" marT="27432" marB="27432">
+                    <a:solidFill>
+                      <a:srgbClr val="FFFFFF"/>
+                    </a:solidFill>
+                  </a:tcPr>
+                </a:tc>
+                <a:tc>
+                  <a:txBody>
+                    <a:bodyPr/>
+                    <a:lstStyle/>
+                    <a:p>
+                      <a:pPr algn="ctr">
+                        <a:defRPr sz="1000" b="0">
+                          <a:solidFill>
+                            <a:srgbClr val="16A34A"/>
+                          </a:solidFill>
+                          <a:latin typeface="Calibri"/>
+                        </a:defRPr>
+                      </a:pPr>
+                      <a:r>
+                        <a:t>✅</a:t>
+                      </a:r>
+                    </a:p>
+                  </a:txBody>
+                  <a:tcPr anchor="ctr" marL="45720" marR="45720" marT="27432" marB="27432">
+                    <a:solidFill>
+                      <a:srgbClr val="FFFFFF"/>
+                    </a:solidFill>
+                  </a:tcPr>
+                </a:tc>
+              </a:tr>
+              <a:tr h="333487">
+                <a:tc>
+                  <a:txBody>
+                    <a:bodyPr/>
+                    <a:lstStyle/>
+                    <a:p>
+                      <a:pPr algn="l">
+                        <a:defRPr sz="1000" b="0">
+                          <a:solidFill>
+                            <a:srgbClr val="1F2937"/>
+                          </a:solidFill>
+                          <a:latin typeface="Calibri"/>
+                        </a:defRPr>
+                      </a:pPr>
+                      <a:r>
+                        <a:t>Victor (Systemisch)</a:t>
+                      </a:r>
+                    </a:p>
+                  </a:txBody>
+                  <a:tcPr anchor="ctr" marL="45720" marR="45720" marT="27432" marB="27432">
+                    <a:solidFill>
                       <a:srgbClr val="F3F4F6"/>
                     </a:solidFill>
                   </a:tcPr>
@@ -6787,129 +7031,7 @@
                   </a:tcPr>
                 </a:tc>
               </a:tr>
-              <a:tr h="353187">
-                <a:tc>
-                  <a:txBody>
-                    <a:bodyPr/>
-                    <a:lstStyle/>
-                    <a:p>
-                      <a:pPr algn="l">
-                        <a:defRPr sz="1000" b="0">
-                          <a:solidFill>
-                            <a:srgbClr val="1F2937"/>
-                          </a:solidFill>
-                          <a:latin typeface="Calibri"/>
-                        </a:defRPr>
-                      </a:pPr>
-                      <a:r>
-                        <a:t>Victor (Systemisch)</a:t>
-                      </a:r>
-                    </a:p>
-                  </a:txBody>
-                  <a:tcPr anchor="ctr" marL="45720" marR="45720" marT="27432" marB="27432">
-                    <a:solidFill>
-                      <a:srgbClr val="FFFFFF"/>
-                    </a:solidFill>
-                  </a:tcPr>
-                </a:tc>
-                <a:tc>
-                  <a:txBody>
-                    <a:bodyPr/>
-                    <a:lstStyle/>
-                    <a:p>
-                      <a:pPr algn="ctr">
-                        <a:defRPr sz="1000" b="0">
-                          <a:solidFill>
-                            <a:srgbClr val="BBBBBB"/>
-                          </a:solidFill>
-                          <a:latin typeface="Calibri"/>
-                        </a:defRPr>
-                      </a:pPr>
-                      <a:r>
-                        <a:t>—</a:t>
-                      </a:r>
-                    </a:p>
-                  </a:txBody>
-                  <a:tcPr anchor="ctr" marL="45720" marR="45720" marT="27432" marB="27432">
-                    <a:solidFill>
-                      <a:srgbClr val="FFFFFF"/>
-                    </a:solidFill>
-                  </a:tcPr>
-                </a:tc>
-                <a:tc>
-                  <a:txBody>
-                    <a:bodyPr/>
-                    <a:lstStyle/>
-                    <a:p>
-                      <a:pPr algn="ctr">
-                        <a:defRPr sz="1000" b="0">
-                          <a:solidFill>
-                            <a:srgbClr val="BBBBBB"/>
-                          </a:solidFill>
-                          <a:latin typeface="Calibri"/>
-                        </a:defRPr>
-                      </a:pPr>
-                      <a:r>
-                        <a:t>—</a:t>
-                      </a:r>
-                    </a:p>
-                  </a:txBody>
-                  <a:tcPr anchor="ctr" marL="45720" marR="45720" marT="27432" marB="27432">
-                    <a:solidFill>
-                      <a:srgbClr val="FFFFFF"/>
-                    </a:solidFill>
-                  </a:tcPr>
-                </a:tc>
-                <a:tc>
-                  <a:txBody>
-                    <a:bodyPr/>
-                    <a:lstStyle/>
-                    <a:p>
-                      <a:pPr algn="ctr">
-                        <a:defRPr sz="1000" b="0">
-                          <a:solidFill>
-                            <a:srgbClr val="BBBBBB"/>
-                          </a:solidFill>
-                          <a:latin typeface="Calibri"/>
-                        </a:defRPr>
-                      </a:pPr>
-                      <a:r>
-                        <a:t>—</a:t>
-                      </a:r>
-                    </a:p>
-                  </a:txBody>
-                  <a:tcPr anchor="ctr" marL="45720" marR="45720" marT="27432" marB="27432">
-                    <a:solidFill>
-                      <a:srgbClr val="FFFFFF"/>
-                    </a:solidFill>
-                  </a:tcPr>
-                </a:tc>
-                <a:tc>
-                  <a:txBody>
-                    <a:bodyPr/>
-                    <a:lstStyle/>
-                    <a:p>
-                      <a:pPr algn="ctr">
-                        <a:defRPr sz="1000" b="0">
-                          <a:solidFill>
-                            <a:srgbClr val="16A34A"/>
-                          </a:solidFill>
-                          <a:latin typeface="Calibri"/>
-                        </a:defRPr>
-                      </a:pPr>
-                      <a:r>
-                        <a:t>✅</a:t>
-                      </a:r>
-                    </a:p>
-                  </a:txBody>
-                  <a:tcPr anchor="ctr" marL="45720" marR="45720" marT="27432" marB="27432">
-                    <a:solidFill>
-                      <a:srgbClr val="FFFFFF"/>
-                    </a:solidFill>
-                  </a:tcPr>
-                </a:tc>
-              </a:tr>
-              <a:tr h="353187">
+              <a:tr h="333487">
                 <a:tc>
                   <a:txBody>
                     <a:bodyPr/>
@@ -7019,7 +7141,7 @@
                   </a:tcPr>
                 </a:tc>
               </a:tr>
-              <a:tr h="353187">
+              <a:tr h="333487">
                 <a:tc>
                   <a:txBody>
                     <a:bodyPr/>
@@ -7040,6 +7162,128 @@
                   </a:txBody>
                   <a:tcPr anchor="ctr" marL="45720" marR="45720" marT="27432" marB="27432">
                     <a:solidFill>
+                      <a:srgbClr val="F3F4F6"/>
+                    </a:solidFill>
+                  </a:tcPr>
+                </a:tc>
+                <a:tc>
+                  <a:txBody>
+                    <a:bodyPr/>
+                    <a:lstStyle/>
+                    <a:p>
+                      <a:pPr algn="ctr">
+                        <a:defRPr sz="1000" b="0">
+                          <a:solidFill>
+                            <a:srgbClr val="BBBBBB"/>
+                          </a:solidFill>
+                          <a:latin typeface="Calibri"/>
+                        </a:defRPr>
+                      </a:pPr>
+                      <a:r>
+                        <a:t>—</a:t>
+                      </a:r>
+                    </a:p>
+                  </a:txBody>
+                  <a:tcPr anchor="ctr" marL="45720" marR="45720" marT="27432" marB="27432">
+                    <a:solidFill>
+                      <a:srgbClr val="F3F4F6"/>
+                    </a:solidFill>
+                  </a:tcPr>
+                </a:tc>
+                <a:tc>
+                  <a:txBody>
+                    <a:bodyPr/>
+                    <a:lstStyle/>
+                    <a:p>
+                      <a:pPr algn="ctr">
+                        <a:defRPr sz="1000" b="0">
+                          <a:solidFill>
+                            <a:srgbClr val="BBBBBB"/>
+                          </a:solidFill>
+                          <a:latin typeface="Calibri"/>
+                        </a:defRPr>
+                      </a:pPr>
+                      <a:r>
+                        <a:t>—</a:t>
+                      </a:r>
+                    </a:p>
+                  </a:txBody>
+                  <a:tcPr anchor="ctr" marL="45720" marR="45720" marT="27432" marB="27432">
+                    <a:solidFill>
+                      <a:srgbClr val="F3F4F6"/>
+                    </a:solidFill>
+                  </a:tcPr>
+                </a:tc>
+                <a:tc>
+                  <a:txBody>
+                    <a:bodyPr/>
+                    <a:lstStyle/>
+                    <a:p>
+                      <a:pPr algn="ctr">
+                        <a:defRPr sz="1000" b="0">
+                          <a:solidFill>
+                            <a:srgbClr val="16A34A"/>
+                          </a:solidFill>
+                          <a:latin typeface="Calibri"/>
+                        </a:defRPr>
+                      </a:pPr>
+                      <a:r>
+                        <a:t>✅</a:t>
+                      </a:r>
+                    </a:p>
+                  </a:txBody>
+                  <a:tcPr anchor="ctr" marL="45720" marR="45720" marT="27432" marB="27432">
+                    <a:solidFill>
+                      <a:srgbClr val="F3F4F6"/>
+                    </a:solidFill>
+                  </a:tcPr>
+                </a:tc>
+                <a:tc>
+                  <a:txBody>
+                    <a:bodyPr/>
+                    <a:lstStyle/>
+                    <a:p>
+                      <a:pPr algn="ctr">
+                        <a:defRPr sz="1000" b="0">
+                          <a:solidFill>
+                            <a:srgbClr val="16A34A"/>
+                          </a:solidFill>
+                          <a:latin typeface="Calibri"/>
+                        </a:defRPr>
+                      </a:pPr>
+                      <a:r>
+                        <a:t>✅</a:t>
+                      </a:r>
+                    </a:p>
+                  </a:txBody>
+                  <a:tcPr anchor="ctr" marL="45720" marR="45720" marT="27432" marB="27432">
+                    <a:solidFill>
+                      <a:srgbClr val="F3F4F6"/>
+                    </a:solidFill>
+                  </a:tcPr>
+                </a:tc>
+              </a:tr>
+              <a:tr h="333487">
+                <a:tc>
+                  <a:txBody>
+                    <a:bodyPr/>
+                    <a:lstStyle/>
+                    <a:p>
+                      <a:pPr algn="l">
+                        <a:defRPr sz="1000" b="0">
+                          <a:solidFill>
+                            <a:srgbClr val="1F2937"/>
+                          </a:solidFill>
+                          <a:latin typeface="Calibri"/>
+                        </a:defRPr>
+                      </a:pPr>
+                      <a:r>
+                        <a:t>Bot-Empfehlungen (in Evaluation)</a:t>
+                      </a:r>
+                    </a:p>
+                  </a:txBody>
+                  <a:tcPr anchor="ctr" marL="45720" marR="45720" marT="27432" marB="27432">
+                    <a:solidFill>
                       <a:srgbClr val="FFFFFF"/>
                     </a:solidFill>
                   </a:tcPr>
@@ -7141,7 +7385,7 @@
                   </a:tcPr>
                 </a:tc>
               </a:tr>
-              <a:tr h="353187">
+              <a:tr h="333488">
                 <a:tc>
                   <a:txBody>
                     <a:bodyPr/>
@@ -7156,7 +7400,7 @@
                         </a:defRPr>
                       </a:pPr>
                       <a:r>
-                        <a:t>Bot-Empfehlungen (in Evaluation)</a:t>
+                        <a:t>PEP Lösungsblockaden (Dr. Bohne)</a:t>
                       </a:r>
                     </a:p>
                   </a:txBody>
@@ -7222,6 +7466,30 @@
                       <a:pPr algn="ctr">
                         <a:defRPr sz="1000" b="0">
                           <a:solidFill>
+                            <a:srgbClr val="BBBBBB"/>
+                          </a:solidFill>
+                          <a:latin typeface="Calibri"/>
+                        </a:defRPr>
+                      </a:pPr>
+                      <a:r>
+                        <a:t>—</a:t>
+                      </a:r>
+                    </a:p>
+                  </a:txBody>
+                  <a:tcPr anchor="ctr" marL="45720" marR="45720" marT="27432" marB="27432">
+                    <a:solidFill>
+                      <a:srgbClr val="F3F4F6"/>
+                    </a:solidFill>
+                  </a:tcPr>
+                </a:tc>
+                <a:tc>
+                  <a:txBody>
+                    <a:bodyPr/>
+                    <a:lstStyle/>
+                    <a:p>
+                      <a:pPr algn="ctr">
+                        <a:defRPr sz="1000" b="0">
+                          <a:solidFill>
                             <a:srgbClr val="16A34A"/>
                           </a:solidFill>
                           <a:latin typeface="Calibri"/>
@@ -7235,152 +7503,6 @@
                   <a:tcPr anchor="ctr" marL="45720" marR="45720" marT="27432" marB="27432">
                     <a:solidFill>
                       <a:srgbClr val="F3F4F6"/>
-                    </a:solidFill>
-                  </a:tcPr>
-                </a:tc>
-                <a:tc>
-                  <a:txBody>
-                    <a:bodyPr/>
-                    <a:lstStyle/>
-                    <a:p>
-                      <a:pPr algn="ctr">
-                        <a:defRPr sz="1000" b="0">
-                          <a:solidFill>
-                            <a:srgbClr val="16A34A"/>
-                          </a:solidFill>
-                          <a:latin typeface="Calibri"/>
-                        </a:defRPr>
-                      </a:pPr>
-                      <a:r>
-                        <a:t>✅</a:t>
-                      </a:r>
-                    </a:p>
-                  </a:txBody>
-                  <a:tcPr anchor="ctr" marL="45720" marR="45720" marT="27432" marB="27432">
-                    <a:solidFill>
-                      <a:srgbClr val="F3F4F6"/>
-                    </a:solidFill>
-                  </a:tcPr>
-                </a:tc>
-              </a:tr>
-              <a:tr h="353187">
-                <a:tc>
-                  <a:txBody>
-                    <a:bodyPr/>
-                    <a:lstStyle/>
-                    <a:p>
-                      <a:pPr algn="l">
-                        <a:defRPr sz="1000" b="0">
-                          <a:solidFill>
-                            <a:srgbClr val="1F2937"/>
-                          </a:solidFill>
-                          <a:latin typeface="Calibri"/>
-                        </a:defRPr>
-                      </a:pPr>
-                      <a:r>
-                        <a:t>PEP Lösungsblockaden (Dr. Bohne)</a:t>
-                      </a:r>
-                    </a:p>
-                  </a:txBody>
-                  <a:tcPr anchor="ctr" marL="45720" marR="45720" marT="27432" marB="27432">
-                    <a:solidFill>
-                      <a:srgbClr val="FFFFFF"/>
-                    </a:solidFill>
-                  </a:tcPr>
-                </a:tc>
-                <a:tc>
-                  <a:txBody>
-                    <a:bodyPr/>
-                    <a:lstStyle/>
-                    <a:p>
-                      <a:pPr algn="ctr">
-                        <a:defRPr sz="1000" b="0">
-                          <a:solidFill>
-                            <a:srgbClr val="BBBBBB"/>
-                          </a:solidFill>
-                          <a:latin typeface="Calibri"/>
-                        </a:defRPr>
-                      </a:pPr>
-                      <a:r>
-                        <a:t>—</a:t>
-                      </a:r>
-                    </a:p>
-                  </a:txBody>
-                  <a:tcPr anchor="ctr" marL="45720" marR="45720" marT="27432" marB="27432">
-                    <a:solidFill>
-                      <a:srgbClr val="FFFFFF"/>
-                    </a:solidFill>
-                  </a:tcPr>
-                </a:tc>
-                <a:tc>
-                  <a:txBody>
-                    <a:bodyPr/>
-                    <a:lstStyle/>
-                    <a:p>
-                      <a:pPr algn="ctr">
-                        <a:defRPr sz="1000" b="0">
-                          <a:solidFill>
-                            <a:srgbClr val="BBBBBB"/>
-                          </a:solidFill>
-                          <a:latin typeface="Calibri"/>
-                        </a:defRPr>
-                      </a:pPr>
-                      <a:r>
-                        <a:t>—</a:t>
-                      </a:r>
-                    </a:p>
-                  </a:txBody>
-                  <a:tcPr anchor="ctr" marL="45720" marR="45720" marT="27432" marB="27432">
-                    <a:solidFill>
-                      <a:srgbClr val="FFFFFF"/>
-                    </a:solidFill>
-                  </a:tcPr>
-                </a:tc>
-                <a:tc>
-                  <a:txBody>
-                    <a:bodyPr/>
-                    <a:lstStyle/>
-                    <a:p>
-                      <a:pPr algn="ctr">
-                        <a:defRPr sz="1000" b="0">
-                          <a:solidFill>
-                            <a:srgbClr val="BBBBBB"/>
-                          </a:solidFill>
-                          <a:latin typeface="Calibri"/>
-                        </a:defRPr>
-                      </a:pPr>
-                      <a:r>
-                        <a:t>—</a:t>
-                      </a:r>
-                    </a:p>
-                  </a:txBody>
-                  <a:tcPr anchor="ctr" marL="45720" marR="45720" marT="27432" marB="27432">
-                    <a:solidFill>
-                      <a:srgbClr val="FFFFFF"/>
-                    </a:solidFill>
-                  </a:tcPr>
-                </a:tc>
-                <a:tc>
-                  <a:txBody>
-                    <a:bodyPr/>
-                    <a:lstStyle/>
-                    <a:p>
-                      <a:pPr algn="ctr">
-                        <a:defRPr sz="1000" b="0">
-                          <a:solidFill>
-                            <a:srgbClr val="16A34A"/>
-                          </a:solidFill>
-                          <a:latin typeface="Calibri"/>
-                        </a:defRPr>
-                      </a:pPr>
-                      <a:r>
-                        <a:t>✅</a:t>
-                      </a:r>
-                    </a:p>
-                  </a:txBody>
-                  <a:tcPr anchor="ctr" marL="45720" marR="45720" marT="27432" marB="27432">
-                    <a:solidFill>
-                      <a:srgbClr val="FFFFFF"/>
                     </a:solidFill>
                   </a:tcPr>
                 </a:tc>
@@ -8101,7 +8223,7 @@
               </a:defRPr>
             </a:pPr>
             <a:r>
-              <a:t>✓ Cloud-Sync &amp; E2EE</a:t>
+              <a:t>✓ Gloria Interview (Transkript)</a:t>
             </a:r>
           </a:p>
         </p:txBody>
@@ -8137,7 +8259,7 @@
               </a:defRPr>
             </a:pPr>
             <a:r>
-              <a:t>✓ Server-TTS (High Quality)</a:t>
+              <a:t>✓ Cloud-Sync &amp; E2EE</a:t>
             </a:r>
           </a:p>
         </p:txBody>
@@ -8173,7 +8295,7 @@
               </a:defRPr>
             </a:pPr>
             <a:r>
-              <a:t>✓ OCEAN-Profil &amp; Signature</a:t>
+              <a:t>✓ Server-TTS (High Quality)</a:t>
             </a:r>
           </a:p>
         </p:txBody>
@@ -8209,7 +8331,7 @@
               </a:defRPr>
             </a:pPr>
             <a:r>
-              <a:t>✓ DPC &amp; PDF-Export</a:t>
+              <a:t>✓ OCEAN-Profil, Signature, DPC</a:t>
             </a:r>
           </a:p>
         </p:txBody>
@@ -9390,7 +9512,7 @@
               </a:defRPr>
             </a:pPr>
             <a:r>
-              <a:t>Stets verfügbar — Guest-Tier</a:t>
+              <a:t>Nobody &amp; Gloria: Guest  |  Gloria Interview: Registered</a:t>
             </a:r>
           </a:p>
         </p:txBody>
@@ -9541,7 +9663,7 @@
               </a:defRPr>
             </a:pPr>
             <a:r>
-              <a:t>Gloria</a:t>
+              <a:t>Gloria Interview</a:t>
             </a:r>
           </a:p>
         </p:txBody>
@@ -9577,6 +9699,78 @@
               </a:defRPr>
             </a:pPr>
             <a:r>
+              <a:t>Strukturierte Interviews mit Transkript-Export</a:t>
+            </a:r>
+          </a:p>
+        </p:txBody>
+      </p:sp>
+      <p:sp>
+        <p:nvSpPr>
+          <p:cNvPr id="12" name="TextBox 11"/>
+          <p:cNvSpPr txBox="1"/>
+          <p:nvPr/>
+        </p:nvSpPr>
+        <p:spPr>
+          <a:xfrm>
+            <a:off x="792327" y="4023360"/>
+            <a:ext cx="3017520" cy="274320"/>
+          </a:xfrm>
+          <a:prstGeom prst="rect">
+            <a:avLst/>
+          </a:prstGeom>
+          <a:noFill/>
+        </p:spPr>
+        <p:txBody>
+          <a:bodyPr wrap="square">
+            <a:spAutoFit/>
+          </a:bodyPr>
+          <a:lstStyle/>
+          <a:p>
+            <a:pPr algn="l">
+              <a:defRPr sz="1400" b="1">
+                <a:solidFill>
+                  <a:srgbClr val="1F2937"/>
+                </a:solidFill>
+                <a:latin typeface="Calibri"/>
+              </a:defRPr>
+            </a:pPr>
+            <a:r>
+              <a:t>Gloria</a:t>
+            </a:r>
+          </a:p>
+        </p:txBody>
+      </p:sp>
+      <p:sp>
+        <p:nvSpPr>
+          <p:cNvPr id="13" name="TextBox 12"/>
+          <p:cNvSpPr txBox="1"/>
+          <p:nvPr/>
+        </p:nvSpPr>
+        <p:spPr>
+          <a:xfrm>
+            <a:off x="792327" y="4315968"/>
+            <a:ext cx="3017520" cy="457200"/>
+          </a:xfrm>
+          <a:prstGeom prst="rect">
+            <a:avLst/>
+          </a:prstGeom>
+          <a:noFill/>
+        </p:spPr>
+        <p:txBody>
+          <a:bodyPr wrap="square">
+            <a:spAutoFit/>
+          </a:bodyPr>
+          <a:lstStyle/>
+          <a:p>
+            <a:pPr algn="l">
+              <a:defRPr sz="1000" b="0">
+                <a:solidFill>
+                  <a:srgbClr val="6B7280"/>
+                </a:solidFill>
+                <a:latin typeface="Calibri"/>
+              </a:defRPr>
+            </a:pPr>
+            <a:r>
               <a:t>Onboarding &amp; Erstgespräch</a:t>
             </a:r>
           </a:p>
@@ -9584,7 +9778,7 @@
       </p:sp>
       <p:sp>
         <p:nvSpPr>
-          <p:cNvPr id="12" name="Rounded Rectangle 11"/>
+          <p:cNvPr id="14" name="Rounded Rectangle 13"/>
           <p:cNvSpPr/>
           <p:nvPr/>
         </p:nvSpPr>
@@ -9631,7 +9825,7 @@
       </p:sp>
       <p:sp>
         <p:nvSpPr>
-          <p:cNvPr id="13" name="TextBox 12"/>
+          <p:cNvPr id="15" name="TextBox 14"/>
           <p:cNvSpPr txBox="1"/>
           <p:nvPr/>
         </p:nvSpPr>
@@ -9667,7 +9861,7 @@
       </p:sp>
       <p:sp>
         <p:nvSpPr>
-          <p:cNvPr id="14" name="TextBox 13"/>
+          <p:cNvPr id="16" name="TextBox 15"/>
           <p:cNvSpPr txBox="1"/>
           <p:nvPr/>
         </p:nvSpPr>
@@ -9703,7 +9897,7 @@
       </p:sp>
       <p:sp>
         <p:nvSpPr>
-          <p:cNvPr id="15" name="Rectangle 14"/>
+          <p:cNvPr id="17" name="Rectangle 16"/>
           <p:cNvSpPr/>
           <p:nvPr/>
         </p:nvSpPr>
@@ -9746,7 +9940,7 @@
       </p:sp>
       <p:sp>
         <p:nvSpPr>
-          <p:cNvPr id="16" name="TextBox 15"/>
+          <p:cNvPr id="18" name="TextBox 17"/>
           <p:cNvSpPr txBox="1"/>
           <p:nvPr/>
         </p:nvSpPr>
@@ -9782,7 +9976,7 @@
       </p:sp>
       <p:sp>
         <p:nvSpPr>
-          <p:cNvPr id="17" name="TextBox 16"/>
+          <p:cNvPr id="19" name="TextBox 18"/>
           <p:cNvSpPr txBox="1"/>
           <p:nvPr/>
         </p:nvSpPr>
@@ -9818,7 +10012,7 @@
       </p:sp>
       <p:sp>
         <p:nvSpPr>
-          <p:cNvPr id="18" name="TextBox 17"/>
+          <p:cNvPr id="20" name="TextBox 19"/>
           <p:cNvSpPr txBox="1"/>
           <p:nvPr/>
         </p:nvSpPr>
@@ -9854,7 +10048,7 @@
       </p:sp>
       <p:sp>
         <p:nvSpPr>
-          <p:cNvPr id="19" name="TextBox 18"/>
+          <p:cNvPr id="21" name="TextBox 20"/>
           <p:cNvSpPr txBox="1"/>
           <p:nvPr/>
         </p:nvSpPr>
@@ -9890,7 +10084,7 @@
       </p:sp>
       <p:sp>
         <p:nvSpPr>
-          <p:cNvPr id="20" name="TextBox 19"/>
+          <p:cNvPr id="22" name="TextBox 21"/>
           <p:cNvSpPr txBox="1"/>
           <p:nvPr/>
         </p:nvSpPr>
@@ -9926,7 +10120,7 @@
       </p:sp>
       <p:sp>
         <p:nvSpPr>
-          <p:cNvPr id="21" name="TextBox 20"/>
+          <p:cNvPr id="23" name="TextBox 22"/>
           <p:cNvSpPr txBox="1"/>
           <p:nvPr/>
         </p:nvSpPr>
@@ -9962,7 +10156,7 @@
       </p:sp>
       <p:sp>
         <p:nvSpPr>
-          <p:cNvPr id="22" name="TextBox 21"/>
+          <p:cNvPr id="24" name="TextBox 23"/>
           <p:cNvSpPr txBox="1"/>
           <p:nvPr/>
         </p:nvSpPr>
@@ -9998,7 +10192,7 @@
       </p:sp>
       <p:sp>
         <p:nvSpPr>
-          <p:cNvPr id="23" name="TextBox 22"/>
+          <p:cNvPr id="25" name="TextBox 24"/>
           <p:cNvSpPr txBox="1"/>
           <p:nvPr/>
         </p:nvSpPr>
@@ -10034,7 +10228,7 @@
       </p:sp>
       <p:sp>
         <p:nvSpPr>
-          <p:cNvPr id="24" name="Rounded Rectangle 23"/>
+          <p:cNvPr id="26" name="Rounded Rectangle 25"/>
           <p:cNvSpPr/>
           <p:nvPr/>
         </p:nvSpPr>
@@ -10081,7 +10275,7 @@
       </p:sp>
       <p:sp>
         <p:nvSpPr>
-          <p:cNvPr id="25" name="TextBox 24"/>
+          <p:cNvPr id="27" name="TextBox 26"/>
           <p:cNvSpPr txBox="1"/>
           <p:nvPr/>
         </p:nvSpPr>
@@ -10117,7 +10311,7 @@
       </p:sp>
       <p:sp>
         <p:nvSpPr>
-          <p:cNvPr id="26" name="TextBox 25"/>
+          <p:cNvPr id="28" name="TextBox 27"/>
           <p:cNvSpPr txBox="1"/>
           <p:nvPr/>
         </p:nvSpPr>
@@ -10153,7 +10347,7 @@
       </p:sp>
       <p:sp>
         <p:nvSpPr>
-          <p:cNvPr id="27" name="Rectangle 26"/>
+          <p:cNvPr id="29" name="Rectangle 28"/>
           <p:cNvSpPr/>
           <p:nvPr/>
         </p:nvSpPr>
@@ -10196,7 +10390,7 @@
       </p:sp>
       <p:sp>
         <p:nvSpPr>
-          <p:cNvPr id="28" name="TextBox 27"/>
+          <p:cNvPr id="30" name="TextBox 29"/>
           <p:cNvSpPr txBox="1"/>
           <p:nvPr/>
         </p:nvSpPr>
@@ -10232,7 +10426,7 @@
       </p:sp>
       <p:sp>
         <p:nvSpPr>
-          <p:cNvPr id="29" name="TextBox 28"/>
+          <p:cNvPr id="31" name="TextBox 30"/>
           <p:cNvSpPr txBox="1"/>
           <p:nvPr/>
         </p:nvSpPr>
@@ -10268,7 +10462,7 @@
       </p:sp>
       <p:sp>
         <p:nvSpPr>
-          <p:cNvPr id="30" name="TextBox 29"/>
+          <p:cNvPr id="32" name="TextBox 31"/>
           <p:cNvSpPr txBox="1"/>
           <p:nvPr/>
         </p:nvSpPr>
@@ -10304,7 +10498,7 @@
       </p:sp>
       <p:sp>
         <p:nvSpPr>
-          <p:cNvPr id="31" name="TextBox 30"/>
+          <p:cNvPr id="33" name="TextBox 32"/>
           <p:cNvSpPr txBox="1"/>
           <p:nvPr/>
         </p:nvSpPr>
@@ -10340,7 +10534,7 @@
       </p:sp>
       <p:sp>
         <p:nvSpPr>
-          <p:cNvPr id="32" name="TextBox 31"/>
+          <p:cNvPr id="34" name="TextBox 33"/>
           <p:cNvSpPr txBox="1"/>
           <p:nvPr/>
         </p:nvSpPr>
